--- a/gogocode.pptx
+++ b/gogocode.pptx
@@ -12933,6 +12933,32 @@
           </a:p>
         </p:txBody>
       </p:sp>
+      <p:pic>
+        <p:nvPicPr>
+          <p:cNvPr id="100" name="图片 99"/>
+          <p:cNvPicPr/>
+          <p:nvPr/>
+        </p:nvPicPr>
+        <p:blipFill>
+          <a:blip r:embed="rId1"/>
+          <a:stretch>
+            <a:fillRect/>
+          </a:stretch>
+        </p:blipFill>
+        <p:spPr>
+          <a:xfrm>
+            <a:off x="0" y="2539003"/>
+            <a:ext cx="12192000" cy="2891245"/>
+          </a:xfrm>
+          <a:prstGeom prst="rect">
+            <a:avLst/>
+          </a:prstGeom>
+          <a:noFill/>
+          <a:ln w="9525">
+            <a:noFill/>
+          </a:ln>
+        </p:spPr>
+      </p:pic>
     </p:spTree>
   </p:cSld>
   <p:clrMapOvr>

--- a/gogocode.pptx
+++ b/gogocode.pptx
@@ -13,8 +13,8 @@
   <p:sldIdLst>
     <p:sldId id="454" r:id="rId3"/>
     <p:sldId id="819" r:id="rId4"/>
-    <p:sldId id="796" r:id="rId5"/>
-    <p:sldId id="781" r:id="rId6"/>
+    <p:sldId id="781" r:id="rId5"/>
+    <p:sldId id="840" r:id="rId6"/>
     <p:sldId id="791" r:id="rId7"/>
     <p:sldId id="792" r:id="rId8"/>
     <p:sldId id="793" r:id="rId9"/>
@@ -12824,7 +12824,7 @@
                 <a:solidFill>
                   <a:srgbClr val="121212"/>
                 </a:solidFill>
-                <a:ea typeface="宋体" panose="02010600030101010101" pitchFamily="2" charset="-122"/>
+                <a:ea typeface="宋体" pitchFamily="2" charset="-122"/>
               </a:rPr>
               <a:t>什么是</a:t>
             </a:r>
@@ -12833,7 +12833,7 @@
                 <a:solidFill>
                   <a:srgbClr val="121212"/>
                 </a:solidFill>
-                <a:ea typeface="宋体" panose="02010600030101010101" pitchFamily="2" charset="-122"/>
+                <a:ea typeface="宋体" pitchFamily="2" charset="-122"/>
               </a:rPr>
               <a:t>GoGoCode</a:t>
             </a:r>
@@ -12842,7 +12842,7 @@
                 <a:solidFill>
                   <a:srgbClr val="121212"/>
                 </a:solidFill>
-                <a:ea typeface="宋体" panose="02010600030101010101" pitchFamily="2" charset="-122"/>
+                <a:ea typeface="宋体" pitchFamily="2" charset="-122"/>
               </a:rPr>
               <a:t>？</a:t>
             </a:r>
@@ -12850,7 +12850,7 @@
               <a:solidFill>
                 <a:srgbClr val="121212"/>
               </a:solidFill>
-              <a:ea typeface="宋体" panose="02010600030101010101" pitchFamily="2" charset="-122"/>
+              <a:ea typeface="宋体" pitchFamily="2" charset="-122"/>
             </a:endParaRPr>
           </a:p>
           <a:p>
@@ -12862,7 +12862,7 @@
                 <a:solidFill>
                   <a:srgbClr val="121212"/>
                 </a:solidFill>
-                <a:ea typeface="宋体" panose="02010600030101010101" pitchFamily="2" charset="-122"/>
+                <a:ea typeface="宋体" pitchFamily="2" charset="-122"/>
               </a:rPr>
               <a:t>AST</a:t>
             </a:r>
@@ -12871,7 +12871,7 @@
                 <a:solidFill>
                   <a:srgbClr val="121212"/>
                 </a:solidFill>
-                <a:ea typeface="宋体" panose="02010600030101010101" pitchFamily="2" charset="-122"/>
+                <a:ea typeface="宋体" pitchFamily="2" charset="-122"/>
               </a:rPr>
               <a:t>简介</a:t>
             </a:r>
@@ -12879,7 +12879,7 @@
               <a:solidFill>
                 <a:srgbClr val="121212"/>
               </a:solidFill>
-              <a:ea typeface="宋体" panose="02010600030101010101" pitchFamily="2" charset="-122"/>
+              <a:ea typeface="宋体" pitchFamily="2" charset="-122"/>
             </a:endParaRPr>
           </a:p>
           <a:p>
@@ -12891,7 +12891,7 @@
                 <a:solidFill>
                   <a:srgbClr val="121212"/>
                 </a:solidFill>
-                <a:ea typeface="宋体" panose="02010600030101010101" pitchFamily="2" charset="-122"/>
+                <a:ea typeface="宋体" pitchFamily="2" charset="-122"/>
               </a:rPr>
               <a:t>GoGoCode</a:t>
             </a:r>
@@ -12900,7 +12900,7 @@
                 <a:solidFill>
                   <a:srgbClr val="121212"/>
                 </a:solidFill>
-                <a:ea typeface="宋体" panose="02010600030101010101" pitchFamily="2" charset="-122"/>
+                <a:ea typeface="宋体" pitchFamily="2" charset="-122"/>
               </a:rPr>
               <a:t>使用方法</a:t>
             </a:r>
@@ -12908,7 +12908,7 @@
               <a:solidFill>
                 <a:srgbClr val="121212"/>
               </a:solidFill>
-              <a:ea typeface="宋体" panose="02010600030101010101" pitchFamily="2" charset="-122"/>
+              <a:ea typeface="宋体" pitchFamily="2" charset="-122"/>
             </a:endParaRPr>
           </a:p>
           <a:p>
@@ -12920,7 +12920,7 @@
                 <a:solidFill>
                   <a:srgbClr val="121212"/>
                 </a:solidFill>
-                <a:ea typeface="宋体" panose="02010600030101010101" pitchFamily="2" charset="-122"/>
+                <a:ea typeface="宋体" pitchFamily="2" charset="-122"/>
               </a:rPr>
               <a:t>Q&amp;A</a:t>
             </a:r>
@@ -12928,7 +12928,7 @@
               <a:solidFill>
                 <a:srgbClr val="121212"/>
               </a:solidFill>
-              <a:ea typeface="宋体" panose="02010600030101010101" pitchFamily="2" charset="-122"/>
+              <a:ea typeface="宋体" pitchFamily="2" charset="-122"/>
             </a:endParaRPr>
           </a:p>
         </p:txBody>
@@ -13912,9 +13912,138 @@
         <p:nvPr/>
       </p:nvGrpSpPr>
       <p:grpSpPr/>
+      <p:sp>
+        <p:nvSpPr>
+          <p:cNvPr id="5" name="标题 4"/>
+          <p:cNvSpPr>
+            <a:spLocks noGrp="1"/>
+          </p:cNvSpPr>
+          <p:nvPr>
+            <p:ph type="title"/>
+          </p:nvPr>
+        </p:nvSpPr>
+        <p:spPr/>
+        <p:txBody>
+          <a:bodyPr>
+            <a:normAutofit/>
+          </a:bodyPr>
+          <a:p>
+            <a:r>
+              <a:rPr lang="en-US" altLang="zh-CN"/>
+              <a:t>find</a:t>
+            </a:r>
+            <a:r>
+              <a:rPr lang="zh-CN" altLang="en-US"/>
+              <a:t>代码选择</a:t>
+            </a:r>
+            <a:r>
+              <a:rPr lang="zh-CN" altLang="en-US"/>
+              <a:t>器</a:t>
+            </a:r>
+            <a:endParaRPr lang="zh-CN" altLang="en-US"/>
+          </a:p>
+        </p:txBody>
+      </p:sp>
+      <p:sp>
+        <p:nvSpPr>
+          <p:cNvPr id="115" name="文本框 114"/>
+          <p:cNvSpPr txBox="1"/>
+          <p:nvPr/>
+        </p:nvSpPr>
+        <p:spPr>
+          <a:xfrm>
+            <a:off x="334010" y="1330960"/>
+            <a:ext cx="5080000" cy="829945"/>
+          </a:xfrm>
+          <a:prstGeom prst="rect">
+            <a:avLst/>
+          </a:prstGeom>
+          <a:noFill/>
+          <a:ln w="9525">
+            <a:noFill/>
+          </a:ln>
+        </p:spPr>
+        <p:txBody>
+          <a:bodyPr>
+            <a:spAutoFit/>
+          </a:bodyPr>
+          <a:p>
+            <a:pPr indent="0"/>
+            <a:r>
+              <a:rPr lang="en-US" altLang="zh-CN" sz="1600" b="0">
+                <a:solidFill>
+                  <a:srgbClr val="121212"/>
+                </a:solidFill>
+                <a:ea typeface="宋体" pitchFamily="2" charset="-122"/>
+              </a:rPr>
+              <a:t>GoGoCode</a:t>
+            </a:r>
+            <a:r>
+              <a:rPr lang="zh-CN" altLang="en-US" sz="1600" b="0">
+                <a:solidFill>
+                  <a:srgbClr val="121212"/>
+                </a:solidFill>
+                <a:ea typeface="宋体" pitchFamily="2" charset="-122"/>
+              </a:rPr>
+              <a:t>提供了直观的使用代码查找代码的方式，让你可以像用</a:t>
+            </a:r>
+            <a:r>
+              <a:rPr lang="en-US" altLang="zh-CN" sz="1600" b="0">
+                <a:solidFill>
+                  <a:srgbClr val="121212"/>
+                </a:solidFill>
+                <a:ea typeface="宋体" pitchFamily="2" charset="-122"/>
+              </a:rPr>
+              <a:t>JQuery</a:t>
+            </a:r>
+            <a:r>
+              <a:rPr lang="zh-CN" altLang="en-US" sz="1600" b="0">
+                <a:solidFill>
+                  <a:srgbClr val="121212"/>
+                </a:solidFill>
+                <a:ea typeface="宋体" pitchFamily="2" charset="-122"/>
+              </a:rPr>
+              <a:t>查找</a:t>
+            </a:r>
+            <a:r>
+              <a:rPr lang="en-US" altLang="zh-CN" sz="1600" b="0">
+                <a:solidFill>
+                  <a:srgbClr val="121212"/>
+                </a:solidFill>
+                <a:ea typeface="宋体" pitchFamily="2" charset="-122"/>
+              </a:rPr>
+              <a:t>DOM</a:t>
+            </a:r>
+            <a:r>
+              <a:rPr lang="zh-CN" altLang="en-US" sz="1600" b="0">
+                <a:solidFill>
+                  <a:srgbClr val="121212"/>
+                </a:solidFill>
+                <a:ea typeface="宋体" pitchFamily="2" charset="-122"/>
+              </a:rPr>
+              <a:t>一样，去通过选择器查找</a:t>
+            </a:r>
+            <a:r>
+              <a:rPr lang="zh-CN" altLang="en-US" sz="1600" b="0">
+                <a:solidFill>
+                  <a:srgbClr val="121212"/>
+                </a:solidFill>
+                <a:ea typeface="宋体" pitchFamily="2" charset="-122"/>
+              </a:rPr>
+              <a:t>代码</a:t>
+            </a:r>
+            <a:endParaRPr lang="zh-CN" altLang="en-US" sz="1600" b="0">
+              <a:solidFill>
+                <a:srgbClr val="121212"/>
+              </a:solidFill>
+              <a:ea typeface="宋体" pitchFamily="2" charset="-122"/>
+            </a:endParaRPr>
+          </a:p>
+        </p:txBody>
+      </p:sp>
       <p:pic>
         <p:nvPicPr>
-          <p:cNvPr id="7" name="图片 6" descr="摘要"/>
+          <p:cNvPr id="2" name="图片 1"/>
           <p:cNvPicPr>
             <a:picLocks noChangeAspect="1"/>
           </p:cNvPicPr>
@@ -13922,15 +14051,38 @@
         </p:nvPicPr>
         <p:blipFill>
           <a:blip r:embed="rId1"/>
-          <a:srcRect t="3630" b="4472"/>
           <a:stretch>
             <a:fillRect/>
           </a:stretch>
         </p:blipFill>
         <p:spPr>
           <a:xfrm>
-            <a:off x="1688465" y="0"/>
-            <a:ext cx="8815070" cy="6016625"/>
+            <a:off x="334010" y="2355850"/>
+            <a:ext cx="3796665" cy="2316480"/>
+          </a:xfrm>
+          <a:prstGeom prst="rect">
+            <a:avLst/>
+          </a:prstGeom>
+        </p:spPr>
+      </p:pic>
+      <p:pic>
+        <p:nvPicPr>
+          <p:cNvPr id="3" name="图片 2"/>
+          <p:cNvPicPr>
+            <a:picLocks noChangeAspect="1"/>
+          </p:cNvPicPr>
+          <p:nvPr/>
+        </p:nvPicPr>
+        <p:blipFill>
+          <a:blip r:embed="rId2"/>
+          <a:stretch>
+            <a:fillRect/>
+          </a:stretch>
+        </p:blipFill>
+        <p:spPr>
+          <a:xfrm>
+            <a:off x="4279265" y="3093085"/>
+            <a:ext cx="5927725" cy="271780"/>
           </a:xfrm>
           <a:prstGeom prst="rect">
             <a:avLst/>
@@ -13967,55 +14119,22 @@
         </p:nvSpPr>
         <p:spPr/>
         <p:txBody>
-          <a:bodyPr/>
+          <a:bodyPr>
+            <a:normAutofit/>
+          </a:bodyPr>
           <a:p>
             <a:r>
+              <a:rPr lang="en-US"/>
+              <a:t>$_$</a:t>
+            </a:r>
+            <a:r>
               <a:rPr lang="zh-CN" altLang="en-US"/>
-              <a:t>什么是</a:t>
-            </a:r>
-            <a:r>
-              <a:rPr lang="en-US" altLang="zh-CN"/>
-              <a:t>MonoRepo</a:t>
-            </a:r>
-            <a:r>
-              <a:rPr lang="zh-CN" altLang="en-US"/>
-              <a:t>？</a:t>
+              <a:t>通配符</a:t>
             </a:r>
             <a:endParaRPr lang="zh-CN" altLang="en-US"/>
           </a:p>
         </p:txBody>
       </p:sp>
-      <p:pic>
-        <p:nvPicPr>
-          <p:cNvPr id="100" name="图片 99"/>
-          <p:cNvPicPr/>
-          <p:nvPr>
-            <p:custDataLst>
-              <p:tags r:id="rId1"/>
-            </p:custDataLst>
-          </p:nvPr>
-        </p:nvPicPr>
-        <p:blipFill>
-          <a:blip r:embed="rId2"/>
-          <a:srcRect l="13893" t="4691" r="12252" b="46488"/>
-          <a:stretch>
-            <a:fillRect/>
-          </a:stretch>
-        </p:blipFill>
-        <p:spPr>
-          <a:xfrm>
-            <a:off x="2248535" y="1957070"/>
-            <a:ext cx="7694930" cy="3406775"/>
-          </a:xfrm>
-          <a:prstGeom prst="rect">
-            <a:avLst/>
-          </a:prstGeom>
-          <a:noFill/>
-          <a:ln w="9525">
-            <a:noFill/>
-          </a:ln>
-        </p:spPr>
-      </p:pic>
       <p:sp>
         <p:nvSpPr>
           <p:cNvPr id="115" name="文本框 114"/>
@@ -14025,7 +14144,7 @@
         <p:spPr>
           <a:xfrm>
             <a:off x="334010" y="1330960"/>
-            <a:ext cx="5080000" cy="337185"/>
+            <a:ext cx="5080000" cy="583565"/>
           </a:xfrm>
           <a:prstGeom prst="rect">
             <a:avLst/>
@@ -14042,177 +14161,98 @@
           <a:p>
             <a:pPr indent="0"/>
             <a:r>
-              <a:rPr lang="zh-CN" sz="1600" b="0">
+              <a:rPr lang="zh-CN" altLang="en-US" sz="1600" b="0">
                 <a:solidFill>
                   <a:srgbClr val="121212"/>
                 </a:solidFill>
-                <a:ea typeface="宋体" panose="02010600030101010101" pitchFamily="2" charset="-122"/>
+                <a:ea typeface="宋体" pitchFamily="2" charset="-122"/>
               </a:rPr>
-              <a:t>一种组织</a:t>
+              <a:t>在实际的代码匹配中，我们往往不能确定代码的全貌，这个时候可以使用</a:t>
             </a:r>
             <a:r>
               <a:rPr lang="en-US" altLang="zh-CN" sz="1600" b="0">
                 <a:solidFill>
                   <a:srgbClr val="121212"/>
                 </a:solidFill>
-                <a:ea typeface="宋体" panose="02010600030101010101" pitchFamily="2" charset="-122"/>
+                <a:ea typeface="宋体" pitchFamily="2" charset="-122"/>
               </a:rPr>
-              <a:t> </a:t>
-            </a:r>
-            <a:r>
-              <a:rPr lang="zh-CN" sz="1600" b="0">
+              <a:t>GoGoCode</a:t>
+            </a:r>
+            <a:r>
+              <a:rPr lang="zh-CN" altLang="en-US" sz="1600" b="0">
                 <a:solidFill>
                   <a:srgbClr val="121212"/>
                 </a:solidFill>
-                <a:ea typeface="宋体" panose="02010600030101010101" pitchFamily="2" charset="-122"/>
+                <a:ea typeface="宋体" pitchFamily="2" charset="-122"/>
               </a:rPr>
-              <a:t>/</a:t>
-            </a:r>
-            <a:r>
-              <a:rPr lang="en-US" altLang="zh-CN" sz="1600" b="0">
+              <a:t>通配符来做模糊</a:t>
+            </a:r>
+            <a:r>
+              <a:rPr lang="zh-CN" altLang="en-US" sz="1600" b="0">
                 <a:solidFill>
                   <a:srgbClr val="121212"/>
                 </a:solidFill>
-                <a:ea typeface="宋体" panose="02010600030101010101" pitchFamily="2" charset="-122"/>
+                <a:ea typeface="宋体" pitchFamily="2" charset="-122"/>
               </a:rPr>
-              <a:t> </a:t>
-            </a:r>
-            <a:r>
-              <a:rPr lang="zh-CN" sz="1600" b="0">
-                <a:solidFill>
-                  <a:srgbClr val="121212"/>
-                </a:solidFill>
-                <a:ea typeface="宋体" panose="02010600030101010101" pitchFamily="2" charset="-122"/>
-              </a:rPr>
-              <a:t>管理项目代码的方式</a:t>
+              <a:t>匹配</a:t>
             </a:r>
             <a:endParaRPr lang="zh-CN" altLang="en-US" sz="1600" b="0">
               <a:solidFill>
                 <a:srgbClr val="121212"/>
               </a:solidFill>
-              <a:ea typeface="宋体" panose="02010600030101010101" pitchFamily="2" charset="-122"/>
+              <a:ea typeface="宋体" pitchFamily="2" charset="-122"/>
             </a:endParaRPr>
           </a:p>
         </p:txBody>
       </p:sp>
-      <p:grpSp>
-        <p:nvGrpSpPr>
-          <p:cNvPr id="9" name="组合 8"/>
-          <p:cNvGrpSpPr/>
+      <p:pic>
+        <p:nvPicPr>
+          <p:cNvPr id="4" name="图片 3"/>
+          <p:cNvPicPr>
+            <a:picLocks noChangeAspect="1"/>
+          </p:cNvPicPr>
           <p:nvPr/>
-        </p:nvGrpSpPr>
-        <p:grpSpPr>
+        </p:nvPicPr>
+        <p:blipFill>
+          <a:blip r:embed="rId1"/>
+          <a:stretch>
+            <a:fillRect/>
+          </a:stretch>
+        </p:blipFill>
+        <p:spPr>
           <a:xfrm>
-            <a:off x="1969135" y="5459095"/>
-            <a:ext cx="8253730" cy="336550"/>
-            <a:chOff x="2941" y="8612"/>
-            <a:chExt cx="12998" cy="530"/>
+            <a:off x="421640" y="2226310"/>
+            <a:ext cx="2959100" cy="2489200"/>
           </a:xfrm>
-        </p:grpSpPr>
-        <p:sp>
-          <p:nvSpPr>
-            <p:cNvPr id="7" name="文本框 6"/>
-            <p:cNvSpPr txBox="1"/>
-            <p:nvPr/>
-          </p:nvSpPr>
-          <p:spPr>
-            <a:xfrm>
-              <a:off x="10355" y="8612"/>
-              <a:ext cx="5585" cy="531"/>
-            </a:xfrm>
-            <a:prstGeom prst="rect">
-              <a:avLst/>
-            </a:prstGeom>
-            <a:noFill/>
-            <a:ln w="9525">
-              <a:noFill/>
-            </a:ln>
-          </p:spPr>
-          <p:txBody>
-            <a:bodyPr wrap="square">
-              <a:spAutoFit/>
-            </a:bodyPr>
-            <a:p>
-              <a:pPr algn="ctr">
-                <a:buClrTx/>
-                <a:buSzTx/>
-                <a:buFontTx/>
-              </a:pPr>
-              <a:r>
-                <a:rPr lang="zh-CN" sz="1600" b="0">
-                  <a:solidFill>
-                    <a:srgbClr val="121212"/>
-                  </a:solidFill>
-                  <a:ea typeface="宋体" panose="02010600030101010101" pitchFamily="2" charset="-122"/>
-                </a:rPr>
-                <a:t>将所有项目代码放到一个仓库中</a:t>
-              </a:r>
-              <a:endParaRPr lang="zh-CN" sz="1600">
-                <a:solidFill>
-                  <a:srgbClr val="121212"/>
-                </a:solidFill>
-                <a:ea typeface="宋体" panose="02010600030101010101" pitchFamily="2" charset="-122"/>
-              </a:endParaRPr>
-            </a:p>
-          </p:txBody>
-        </p:sp>
-        <p:sp>
-          <p:nvSpPr>
-            <p:cNvPr id="8" name="文本框 7"/>
-            <p:cNvSpPr txBox="1"/>
-            <p:nvPr/>
-          </p:nvSpPr>
-          <p:spPr>
-            <a:xfrm>
-              <a:off x="2941" y="8612"/>
-              <a:ext cx="5585" cy="531"/>
-            </a:xfrm>
-            <a:prstGeom prst="rect">
-              <a:avLst/>
-            </a:prstGeom>
-            <a:noFill/>
-            <a:ln w="9525">
-              <a:noFill/>
-            </a:ln>
-          </p:spPr>
-          <p:txBody>
-            <a:bodyPr wrap="square">
-              <a:spAutoFit/>
-            </a:bodyPr>
-            <a:p>
-              <a:pPr algn="ctr">
-                <a:buClrTx/>
-                <a:buSzTx/>
-                <a:buFontTx/>
-              </a:pPr>
-              <a:r>
-                <a:rPr lang="zh-CN" sz="1600" b="0">
-                  <a:solidFill>
-                    <a:srgbClr val="121212"/>
-                  </a:solidFill>
-                  <a:ea typeface="宋体" panose="02010600030101010101" pitchFamily="2" charset="-122"/>
-                </a:rPr>
-                <a:t>将不同项目代码放到</a:t>
-              </a:r>
-              <a:r>
-                <a:rPr lang="zh-CN" sz="1600" b="0">
-                  <a:solidFill>
-                    <a:srgbClr val="121212"/>
-                  </a:solidFill>
-                  <a:ea typeface="宋体" panose="02010600030101010101" pitchFamily="2" charset="-122"/>
-                </a:rPr>
-                <a:t>不同仓库中</a:t>
-              </a:r>
-              <a:endParaRPr lang="zh-CN" sz="1600">
-                <a:solidFill>
-                  <a:srgbClr val="121212"/>
-                </a:solidFill>
-                <a:ea typeface="宋体" panose="02010600030101010101" pitchFamily="2" charset="-122"/>
-              </a:endParaRPr>
-            </a:p>
-          </p:txBody>
-        </p:sp>
-      </p:grpSp>
+          <a:prstGeom prst="rect">
+            <a:avLst/>
+          </a:prstGeom>
+        </p:spPr>
+      </p:pic>
+      <p:pic>
+        <p:nvPicPr>
+          <p:cNvPr id="6" name="图片 5"/>
+          <p:cNvPicPr>
+            <a:picLocks noChangeAspect="1"/>
+          </p:cNvPicPr>
+          <p:nvPr/>
+        </p:nvPicPr>
+        <p:blipFill>
+          <a:blip r:embed="rId2"/>
+          <a:stretch>
+            <a:fillRect/>
+          </a:stretch>
+        </p:blipFill>
+        <p:spPr>
+          <a:xfrm>
+            <a:off x="3794760" y="2218690"/>
+            <a:ext cx="3581400" cy="241300"/>
+          </a:xfrm>
+          <a:prstGeom prst="rect">
+            <a:avLst/>
+          </a:prstGeom>
+        </p:spPr>
+      </p:pic>
     </p:spTree>
   </p:cSld>
   <p:clrMapOvr>
@@ -18494,36 +18534,11 @@
 
 <file path=ppt/tags/tag1.xml><?xml version="1.0" encoding="utf-8"?>
 <p:tagLst xmlns:p="http://schemas.openxmlformats.org/presentationml/2006/main">
-  <p:tag name="KSO_WM_UNIT_PLACING_PICTURE_USER_VIEWPORT" val="{&quot;height&quot;:12656,&quot;width&quot;:17825}"/>
+  <p:tag name="KSO_WM_UNIT_TABLE_BEAUTIFY" val="smartTable{962f6004-979e-4bc4-bb4d-a953af401270}"/>
 </p:tagLst>
 </file>
 
 <file path=ppt/tags/tag10.xml><?xml version="1.0" encoding="utf-8"?>
-<p:tagLst xmlns:p="http://schemas.openxmlformats.org/presentationml/2006/main">
-  <p:tag name="KSO_WM_TEMPLATE_CATEGORY" val="diagram"/>
-  <p:tag name="KSO_WM_TEMPLATE_INDEX" val="20210780"/>
-  <p:tag name="KSO_WM_TAG_VERSION" val="1.0"/>
-  <p:tag name="KSO_WM_UNIT_TYPE" val="l_h_i"/>
-  <p:tag name="KSO_WM_UNIT_INDEX" val="1_2_1"/>
-  <p:tag name="KSO_WM_UNIT_ID" val="diagram20210780_3*l_h_i*1_2_1"/>
-  <p:tag name="KSO_WM_UNIT_LAYERLEVEL" val="1_1_1"/>
-  <p:tag name="KSO_WM_BEAUTIFY_FLAG" val="#wm#"/>
-  <p:tag name="KSO_WM_DIAGRAM_GROUP_CODE" val="l1-1"/>
-  <p:tag name="KSO_WM_UNIT_HIGHLIGHT" val="0"/>
-  <p:tag name="KSO_WM_UNIT_COMPATIBLE" val="0"/>
-  <p:tag name="KSO_WM_UNIT_DIAGRAM_ISNUMVISUAL" val="0"/>
-  <p:tag name="KSO_WM_UNIT_DIAGRAM_ISREFERUNIT" val="0"/>
-  <p:tag name="KSO_WM_UNIT_FILL_FORE_SCHEMECOLOR_INDEX_BRIGHTNESS" val="-0.5"/>
-  <p:tag name="KSO_WM_UNIT_FILL_FORE_SCHEMECOLOR_INDEX" val="6"/>
-  <p:tag name="KSO_WM_UNIT_FILL_TYPE" val="1"/>
-  <p:tag name="KSO_WM_UNIT_TEXT_FILL_FORE_SCHEMECOLOR_INDEX_BRIGHTNESS" val="0"/>
-  <p:tag name="KSO_WM_UNIT_TEXT_FILL_FORE_SCHEMECOLOR_INDEX" val="13"/>
-  <p:tag name="KSO_WM_UNIT_TEXT_FILL_TYPE" val="1"/>
-  <p:tag name="KSO_WM_UNIT_USESOURCEFORMAT_APPLY" val="1"/>
-</p:tagLst>
-</file>
-
-<file path=ppt/tags/tag11.xml><?xml version="1.0" encoding="utf-8"?>
 <p:tagLst xmlns:p="http://schemas.openxmlformats.org/presentationml/2006/main">
   <p:tag name="KSO_WM_TEMPLATE_CATEGORY" val="diagram"/>
   <p:tag name="KSO_WM_TEMPLATE_INDEX" val="20210780"/>
@@ -18553,7 +18568,7 @@
 </p:tagLst>
 </file>
 
-<file path=ppt/tags/tag12.xml><?xml version="1.0" encoding="utf-8"?>
+<file path=ppt/tags/tag11.xml><?xml version="1.0" encoding="utf-8"?>
 <p:tagLst xmlns:p="http://schemas.openxmlformats.org/presentationml/2006/main">
   <p:tag name="KSO_WM_TEMPLATE_CATEGORY" val="diagram"/>
   <p:tag name="KSO_WM_TEMPLATE_INDEX" val="20210780"/>
@@ -18578,7 +18593,7 @@
 </p:tagLst>
 </file>
 
-<file path=ppt/tags/tag13.xml><?xml version="1.0" encoding="utf-8"?>
+<file path=ppt/tags/tag12.xml><?xml version="1.0" encoding="utf-8"?>
 <p:tagLst xmlns:p="http://schemas.openxmlformats.org/presentationml/2006/main">
   <p:tag name="KSO_WM_TEMPLATE_CATEGORY" val="diagram"/>
   <p:tag name="KSO_WM_TEMPLATE_INDEX" val="20210780"/>
@@ -18603,7 +18618,7 @@
 </p:tagLst>
 </file>
 
-<file path=ppt/tags/tag14.xml><?xml version="1.0" encoding="utf-8"?>
+<file path=ppt/tags/tag13.xml><?xml version="1.0" encoding="utf-8"?>
 <p:tagLst xmlns:p="http://schemas.openxmlformats.org/presentationml/2006/main">
   <p:tag name="KSO_WM_TEMPLATE_CATEGORY" val="diagram"/>
   <p:tag name="KSO_WM_TEMPLATE_INDEX" val="20210780"/>
@@ -18633,7 +18648,7 @@
 </p:tagLst>
 </file>
 
-<file path=ppt/tags/tag15.xml><?xml version="1.0" encoding="utf-8"?>
+<file path=ppt/tags/tag14.xml><?xml version="1.0" encoding="utf-8"?>
 <p:tagLst xmlns:p="http://schemas.openxmlformats.org/presentationml/2006/main">
   <p:tag name="KSO_WM_TEMPLATE_CATEGORY" val="diagram"/>
   <p:tag name="KSO_WM_TEMPLATE_INDEX" val="20210780"/>
@@ -18658,7 +18673,7 @@
 </p:tagLst>
 </file>
 
-<file path=ppt/tags/tag16.xml><?xml version="1.0" encoding="utf-8"?>
+<file path=ppt/tags/tag15.xml><?xml version="1.0" encoding="utf-8"?>
 <p:tagLst xmlns:p="http://schemas.openxmlformats.org/presentationml/2006/main">
   <p:tag name="KSO_WM_TEMPLATE_CATEGORY" val="diagram"/>
   <p:tag name="KSO_WM_TEMPLATE_INDEX" val="20210780"/>
@@ -18683,7 +18698,7 @@
 </p:tagLst>
 </file>
 
-<file path=ppt/tags/tag17.xml><?xml version="1.0" encoding="utf-8"?>
+<file path=ppt/tags/tag16.xml><?xml version="1.0" encoding="utf-8"?>
 <p:tagLst xmlns:p="http://schemas.openxmlformats.org/presentationml/2006/main">
   <p:tag name="KSO_WM_TEMPLATE_CATEGORY" val="diagram"/>
   <p:tag name="KSO_WM_TEMPLATE_INDEX" val="20210780"/>
@@ -18713,7 +18728,7 @@
 </p:tagLst>
 </file>
 
-<file path=ppt/tags/tag18.xml><?xml version="1.0" encoding="utf-8"?>
+<file path=ppt/tags/tag17.xml><?xml version="1.0" encoding="utf-8"?>
 <p:tagLst xmlns:p="http://schemas.openxmlformats.org/presentationml/2006/main">
   <p:tag name="KSO_WM_TEMPLATE_CATEGORY" val="diagram"/>
   <p:tag name="KSO_WM_TEMPLATE_INDEX" val="20210780"/>
@@ -18735,7 +18750,7 @@
 </p:tagLst>
 </file>
 
-<file path=ppt/tags/tag19.xml><?xml version="1.0" encoding="utf-8"?>
+<file path=ppt/tags/tag18.xml><?xml version="1.0" encoding="utf-8"?>
 <p:tagLst xmlns:p="http://schemas.openxmlformats.org/presentationml/2006/main">
   <p:tag name="KSO_WM_BEAUTIFY_FLAG" val="#wm#"/>
   <p:tag name="KSO_WM_TEMPLATE_CATEGORY" val="diagram"/>
@@ -18770,13 +18785,7 @@
 </p:tagLst>
 </file>
 
-<file path=ppt/tags/tag2.xml><?xml version="1.0" encoding="utf-8"?>
-<p:tagLst xmlns:p="http://schemas.openxmlformats.org/presentationml/2006/main">
-  <p:tag name="KSO_WM_UNIT_TABLE_BEAUTIFY" val="smartTable{962f6004-979e-4bc4-bb4d-a953af401270}"/>
-</p:tagLst>
-</file>
-
-<file path=ppt/tags/tag20.xml><?xml version="1.0" encoding="utf-8"?>
+<file path=ppt/tags/tag19.xml><?xml version="1.0" encoding="utf-8"?>
 <p:tagLst xmlns:p="http://schemas.openxmlformats.org/presentationml/2006/main">
   <p:tag name="KSO_WM_UNIT_HIGHLIGHT" val="0"/>
   <p:tag name="KSO_WM_UNIT_COMPATIBLE" val="0"/>
@@ -18799,7 +18808,13 @@
 </p:tagLst>
 </file>
 
-<file path=ppt/tags/tag21.xml><?xml version="1.0" encoding="utf-8"?>
+<file path=ppt/tags/tag2.xml><?xml version="1.0" encoding="utf-8"?>
+<p:tagLst xmlns:p="http://schemas.openxmlformats.org/presentationml/2006/main">
+  <p:tag name="KSO_WM_UNIT_PLACING_PICTURE_USER_VIEWPORT" val="{&quot;height&quot;:10237,&quot;width&quot;:19200}"/>
+</p:tagLst>
+</file>
+
+<file path=ppt/tags/tag20.xml><?xml version="1.0" encoding="utf-8"?>
 <p:tagLst xmlns:p="http://schemas.openxmlformats.org/presentationml/2006/main">
   <p:tag name="KSO_WM_UNIT_HIGHLIGHT" val="0"/>
   <p:tag name="KSO_WM_UNIT_COMPATIBLE" val="0"/>
@@ -18822,7 +18837,7 @@
 </p:tagLst>
 </file>
 
-<file path=ppt/tags/tag22.xml><?xml version="1.0" encoding="utf-8"?>
+<file path=ppt/tags/tag21.xml><?xml version="1.0" encoding="utf-8"?>
 <p:tagLst xmlns:p="http://schemas.openxmlformats.org/presentationml/2006/main">
   <p:tag name="KSO_WM_UNIT_HIGHLIGHT" val="0"/>
   <p:tag name="KSO_WM_UNIT_COMPATIBLE" val="0"/>
@@ -18845,7 +18860,7 @@
 </p:tagLst>
 </file>
 
-<file path=ppt/tags/tag23.xml><?xml version="1.0" encoding="utf-8"?>
+<file path=ppt/tags/tag22.xml><?xml version="1.0" encoding="utf-8"?>
 <p:tagLst xmlns:p="http://schemas.openxmlformats.org/presentationml/2006/main">
   <p:tag name="KSO_WM_UNIT_HIGHLIGHT" val="0"/>
   <p:tag name="KSO_WM_UNIT_COMPATIBLE" val="0"/>
@@ -18868,7 +18883,7 @@
 </p:tagLst>
 </file>
 
-<file path=ppt/tags/tag24.xml><?xml version="1.0" encoding="utf-8"?>
+<file path=ppt/tags/tag23.xml><?xml version="1.0" encoding="utf-8"?>
 <p:tagLst xmlns:p="http://schemas.openxmlformats.org/presentationml/2006/main">
   <p:tag name="KSO_WM_UNIT_HIGHLIGHT" val="0"/>
   <p:tag name="KSO_WM_UNIT_COMPATIBLE" val="0"/>
@@ -18891,7 +18906,7 @@
 </p:tagLst>
 </file>
 
-<file path=ppt/tags/tag25.xml><?xml version="1.0" encoding="utf-8"?>
+<file path=ppt/tags/tag24.xml><?xml version="1.0" encoding="utf-8"?>
 <p:tagLst xmlns:p="http://schemas.openxmlformats.org/presentationml/2006/main">
   <p:tag name="KSO_WM_UNIT_HIGHLIGHT" val="0"/>
   <p:tag name="KSO_WM_UNIT_COMPATIBLE" val="0"/>
@@ -18914,7 +18929,7 @@
 </p:tagLst>
 </file>
 
-<file path=ppt/tags/tag26.xml><?xml version="1.0" encoding="utf-8"?>
+<file path=ppt/tags/tag25.xml><?xml version="1.0" encoding="utf-8"?>
 <p:tagLst xmlns:p="http://schemas.openxmlformats.org/presentationml/2006/main">
   <p:tag name="KSO_WM_UNIT_HIGHLIGHT" val="0"/>
   <p:tag name="KSO_WM_UNIT_COMPATIBLE" val="0"/>
@@ -18937,7 +18952,7 @@
 </p:tagLst>
 </file>
 
-<file path=ppt/tags/tag27.xml><?xml version="1.0" encoding="utf-8"?>
+<file path=ppt/tags/tag26.xml><?xml version="1.0" encoding="utf-8"?>
 <p:tagLst xmlns:p="http://schemas.openxmlformats.org/presentationml/2006/main">
   <p:tag name="KSO_WM_UNIT_HIGHLIGHT" val="0"/>
   <p:tag name="KSO_WM_UNIT_COMPATIBLE" val="0"/>
@@ -18960,7 +18975,7 @@
 </p:tagLst>
 </file>
 
-<file path=ppt/tags/tag28.xml><?xml version="1.0" encoding="utf-8"?>
+<file path=ppt/tags/tag27.xml><?xml version="1.0" encoding="utf-8"?>
 <p:tagLst xmlns:p="http://schemas.openxmlformats.org/presentationml/2006/main">
   <p:tag name="KSO_WM_UNIT_HIGHLIGHT" val="0"/>
   <p:tag name="KSO_WM_UNIT_COMPATIBLE" val="0"/>
@@ -18983,7 +18998,7 @@
 </p:tagLst>
 </file>
 
-<file path=ppt/tags/tag29.xml><?xml version="1.0" encoding="utf-8"?>
+<file path=ppt/tags/tag28.xml><?xml version="1.0" encoding="utf-8"?>
 <p:tagLst xmlns:p="http://schemas.openxmlformats.org/presentationml/2006/main">
   <p:tag name="KSO_WM_UNIT_HIGHLIGHT" val="0"/>
   <p:tag name="KSO_WM_UNIT_COMPATIBLE" val="0"/>
@@ -19006,13 +19021,7 @@
 </p:tagLst>
 </file>
 
-<file path=ppt/tags/tag3.xml><?xml version="1.0" encoding="utf-8"?>
-<p:tagLst xmlns:p="http://schemas.openxmlformats.org/presentationml/2006/main">
-  <p:tag name="KSO_WM_UNIT_PLACING_PICTURE_USER_VIEWPORT" val="{&quot;height&quot;:10237,&quot;width&quot;:19200}"/>
-</p:tagLst>
-</file>
-
-<file path=ppt/tags/tag30.xml><?xml version="1.0" encoding="utf-8"?>
+<file path=ppt/tags/tag29.xml><?xml version="1.0" encoding="utf-8"?>
 <p:tagLst xmlns:p="http://schemas.openxmlformats.org/presentationml/2006/main">
   <p:tag name="KSO_WM_UNIT_ISCONTENTSTITLE" val="0"/>
   <p:tag name="KSO_WM_UNIT_ISNUMDGMTITLE" val="0"/>
@@ -19037,7 +19046,32 @@
 </p:tagLst>
 </file>
 
-<file path=ppt/tags/tag31.xml><?xml version="1.0" encoding="utf-8"?>
+<file path=ppt/tags/tag3.xml><?xml version="1.0" encoding="utf-8"?>
+<p:tagLst xmlns:p="http://schemas.openxmlformats.org/presentationml/2006/main">
+  <p:tag name="KSO_WM_TEMPLATE_CATEGORY" val="diagram"/>
+  <p:tag name="KSO_WM_TEMPLATE_INDEX" val="20210780"/>
+  <p:tag name="KSO_WM_TAG_VERSION" val="1.0"/>
+  <p:tag name="KSO_WM_UNIT_TYPE" val="l_h_i"/>
+  <p:tag name="KSO_WM_UNIT_INDEX" val="1_1_1"/>
+  <p:tag name="KSO_WM_UNIT_ID" val="diagram20210780_3*l_h_i*1_1_1"/>
+  <p:tag name="KSO_WM_UNIT_LAYERLEVEL" val="1_1_1"/>
+  <p:tag name="KSO_WM_BEAUTIFY_FLAG" val="#wm#"/>
+  <p:tag name="KSO_WM_DIAGRAM_GROUP_CODE" val="l1-1"/>
+  <p:tag name="KSO_WM_UNIT_HIGHLIGHT" val="0"/>
+  <p:tag name="KSO_WM_UNIT_COMPATIBLE" val="0"/>
+  <p:tag name="KSO_WM_UNIT_DIAGRAM_ISNUMVISUAL" val="0"/>
+  <p:tag name="KSO_WM_UNIT_DIAGRAM_ISREFERUNIT" val="0"/>
+  <p:tag name="KSO_WM_UNIT_FILL_FORE_SCHEMECOLOR_INDEX_BRIGHTNESS" val="-0.5"/>
+  <p:tag name="KSO_WM_UNIT_FILL_FORE_SCHEMECOLOR_INDEX" val="5"/>
+  <p:tag name="KSO_WM_UNIT_FILL_TYPE" val="1"/>
+  <p:tag name="KSO_WM_UNIT_TEXT_FILL_FORE_SCHEMECOLOR_INDEX_BRIGHTNESS" val="0"/>
+  <p:tag name="KSO_WM_UNIT_TEXT_FILL_FORE_SCHEMECOLOR_INDEX" val="13"/>
+  <p:tag name="KSO_WM_UNIT_TEXT_FILL_TYPE" val="1"/>
+  <p:tag name="KSO_WM_UNIT_USESOURCEFORMAT_APPLY" val="1"/>
+</p:tagLst>
+</file>
+
+<file path=ppt/tags/tag30.xml><?xml version="1.0" encoding="utf-8"?>
 <p:tagLst xmlns:p="http://schemas.openxmlformats.org/presentationml/2006/main">
   <p:tag name="KSO_WM_SLIDE_ID" val="diagram20203750_1"/>
   <p:tag name="KSO_WM_TEMPLATE_SUBCATEGORY" val="0"/>
@@ -19070,6 +19104,12 @@
 </p:tagLst>
 </file>
 
+<file path=ppt/tags/tag31.xml><?xml version="1.0" encoding="utf-8"?>
+<p:tagLst xmlns:p="http://schemas.openxmlformats.org/presentationml/2006/main">
+  <p:tag name="KSO_WM_UNIT_TABLE_BEAUTIFY" val="smartTable{962f6004-979e-4bc4-bb4d-a953af401270}"/>
+</p:tagLst>
+</file>
+
 <file path=ppt/tags/tag32.xml><?xml version="1.0" encoding="utf-8"?>
 <p:tagLst xmlns:p="http://schemas.openxmlformats.org/presentationml/2006/main">
   <p:tag name="KSO_WM_UNIT_TABLE_BEAUTIFY" val="smartTable{962f6004-979e-4bc4-bb4d-a953af401270}"/>
@@ -19078,19 +19118,13 @@
 
 <file path=ppt/tags/tag33.xml><?xml version="1.0" encoding="utf-8"?>
 <p:tagLst xmlns:p="http://schemas.openxmlformats.org/presentationml/2006/main">
-  <p:tag name="KSO_WM_UNIT_TABLE_BEAUTIFY" val="smartTable{962f6004-979e-4bc4-bb4d-a953af401270}"/>
-</p:tagLst>
-</file>
-
-<file path=ppt/tags/tag34.xml><?xml version="1.0" encoding="utf-8"?>
-<p:tagLst xmlns:p="http://schemas.openxmlformats.org/presentationml/2006/main">
   <p:tag name="KSO_WM_UNIT_TABLE_BEAUTIFY" val="smartTable{aadc5c82-1b51-42e5-ac5b-468cc7e0d81c}"/>
   <p:tag name="TABLE_ENDDRAG_ORIGIN_RECT" val="484*155"/>
   <p:tag name="TABLE_ENDDRAG_RECT" val="5*299*484*155"/>
 </p:tagLst>
 </file>
 
-<file path=ppt/tags/tag35.xml><?xml version="1.0" encoding="utf-8"?>
+<file path=ppt/tags/tag34.xml><?xml version="1.0" encoding="utf-8"?>
 <p:tagLst xmlns:p="http://schemas.openxmlformats.org/presentationml/2006/main">
   <p:tag name="KSO_WM_UNIT_HIGHLIGHT" val="0"/>
   <p:tag name="KSO_WM_UNIT_COMPATIBLE" val="0"/>
@@ -19113,7 +19147,7 @@
 </p:tagLst>
 </file>
 
-<file path=ppt/tags/tag36.xml><?xml version="1.0" encoding="utf-8"?>
+<file path=ppt/tags/tag35.xml><?xml version="1.0" encoding="utf-8"?>
 <p:tagLst xmlns:p="http://schemas.openxmlformats.org/presentationml/2006/main">
   <p:tag name="KSO_WM_UNIT_HIGHLIGHT" val="0"/>
   <p:tag name="KSO_WM_UNIT_COMPATIBLE" val="0"/>
@@ -19136,7 +19170,7 @@
 </p:tagLst>
 </file>
 
-<file path=ppt/tags/tag37.xml><?xml version="1.0" encoding="utf-8"?>
+<file path=ppt/tags/tag36.xml><?xml version="1.0" encoding="utf-8"?>
 <p:tagLst xmlns:p="http://schemas.openxmlformats.org/presentationml/2006/main">
   <p:tag name="KSO_WM_UNIT_HIGHLIGHT" val="0"/>
   <p:tag name="KSO_WM_UNIT_COMPATIBLE" val="0"/>
@@ -19159,7 +19193,7 @@
 </p:tagLst>
 </file>
 
-<file path=ppt/tags/tag38.xml><?xml version="1.0" encoding="utf-8"?>
+<file path=ppt/tags/tag37.xml><?xml version="1.0" encoding="utf-8"?>
 <p:tagLst xmlns:p="http://schemas.openxmlformats.org/presentationml/2006/main">
   <p:tag name="KSO_WM_UNIT_HIGHLIGHT" val="0"/>
   <p:tag name="KSO_WM_UNIT_COMPATIBLE" val="0"/>
@@ -19182,7 +19216,7 @@
 </p:tagLst>
 </file>
 
-<file path=ppt/tags/tag39.xml><?xml version="1.0" encoding="utf-8"?>
+<file path=ppt/tags/tag38.xml><?xml version="1.0" encoding="utf-8"?>
 <p:tagLst xmlns:p="http://schemas.openxmlformats.org/presentationml/2006/main">
   <p:tag name="KSO_WM_UNIT_HIGHLIGHT" val="0"/>
   <p:tag name="KSO_WM_UNIT_COMPATIBLE" val="0"/>
@@ -19205,32 +19239,7 @@
 </p:tagLst>
 </file>
 
-<file path=ppt/tags/tag4.xml><?xml version="1.0" encoding="utf-8"?>
-<p:tagLst xmlns:p="http://schemas.openxmlformats.org/presentationml/2006/main">
-  <p:tag name="KSO_WM_TEMPLATE_CATEGORY" val="diagram"/>
-  <p:tag name="KSO_WM_TEMPLATE_INDEX" val="20210780"/>
-  <p:tag name="KSO_WM_TAG_VERSION" val="1.0"/>
-  <p:tag name="KSO_WM_UNIT_TYPE" val="l_h_i"/>
-  <p:tag name="KSO_WM_UNIT_INDEX" val="1_1_1"/>
-  <p:tag name="KSO_WM_UNIT_ID" val="diagram20210780_3*l_h_i*1_1_1"/>
-  <p:tag name="KSO_WM_UNIT_LAYERLEVEL" val="1_1_1"/>
-  <p:tag name="KSO_WM_BEAUTIFY_FLAG" val="#wm#"/>
-  <p:tag name="KSO_WM_DIAGRAM_GROUP_CODE" val="l1-1"/>
-  <p:tag name="KSO_WM_UNIT_HIGHLIGHT" val="0"/>
-  <p:tag name="KSO_WM_UNIT_COMPATIBLE" val="0"/>
-  <p:tag name="KSO_WM_UNIT_DIAGRAM_ISNUMVISUAL" val="0"/>
-  <p:tag name="KSO_WM_UNIT_DIAGRAM_ISREFERUNIT" val="0"/>
-  <p:tag name="KSO_WM_UNIT_FILL_FORE_SCHEMECOLOR_INDEX_BRIGHTNESS" val="-0.5"/>
-  <p:tag name="KSO_WM_UNIT_FILL_FORE_SCHEMECOLOR_INDEX" val="5"/>
-  <p:tag name="KSO_WM_UNIT_FILL_TYPE" val="1"/>
-  <p:tag name="KSO_WM_UNIT_TEXT_FILL_FORE_SCHEMECOLOR_INDEX_BRIGHTNESS" val="0"/>
-  <p:tag name="KSO_WM_UNIT_TEXT_FILL_FORE_SCHEMECOLOR_INDEX" val="13"/>
-  <p:tag name="KSO_WM_UNIT_TEXT_FILL_TYPE" val="1"/>
-  <p:tag name="KSO_WM_UNIT_USESOURCEFORMAT_APPLY" val="1"/>
-</p:tagLst>
-</file>
-
-<file path=ppt/tags/tag40.xml><?xml version="1.0" encoding="utf-8"?>
+<file path=ppt/tags/tag39.xml><?xml version="1.0" encoding="utf-8"?>
 <p:tagLst xmlns:p="http://schemas.openxmlformats.org/presentationml/2006/main">
   <p:tag name="KSO_WM_UNIT_HIGHLIGHT" val="0"/>
   <p:tag name="KSO_WM_UNIT_COMPATIBLE" val="0"/>
@@ -19253,7 +19262,37 @@
 </p:tagLst>
 </file>
 
-<file path=ppt/tags/tag41.xml><?xml version="1.0" encoding="utf-8"?>
+<file path=ppt/tags/tag4.xml><?xml version="1.0" encoding="utf-8"?>
+<p:tagLst xmlns:p="http://schemas.openxmlformats.org/presentationml/2006/main">
+  <p:tag name="KSO_WM_TEMPLATE_CATEGORY" val="diagram"/>
+  <p:tag name="KSO_WM_TEMPLATE_INDEX" val="20210780"/>
+  <p:tag name="KSO_WM_TAG_VERSION" val="1.0"/>
+  <p:tag name="KSO_WM_UNIT_TYPE" val="l_h_f"/>
+  <p:tag name="KSO_WM_UNIT_INDEX" val="1_1_1"/>
+  <p:tag name="KSO_WM_UNIT_ID" val="diagram20210780_3*l_h_f*1_1_1"/>
+  <p:tag name="KSO_WM_UNIT_LAYERLEVEL" val="1_1_1"/>
+  <p:tag name="KSO_WM_UNIT_VALUE" val="22"/>
+  <p:tag name="KSO_WM_UNIT_HIGHLIGHT" val="0"/>
+  <p:tag name="KSO_WM_UNIT_COMPATIBLE" val="0"/>
+  <p:tag name="KSO_WM_BEAUTIFY_FLAG" val="#wm#"/>
+  <p:tag name="KSO_WM_UNIT_PRESET_TEXT_INDEX" val="4"/>
+  <p:tag name="KSO_WM_UNIT_PRESET_TEXT_LEN" val="12"/>
+  <p:tag name="KSO_WM_DIAGRAM_GROUP_CODE" val="l1-1"/>
+  <p:tag name="KSO_WM_UNIT_SUBTYPE" val="a"/>
+  <p:tag name="KSO_WM_UNIT_NOCLEAR" val="0"/>
+  <p:tag name="KSO_WM_UNIT_DIAGRAM_ISNUMVISUAL" val="0"/>
+  <p:tag name="KSO_WM_UNIT_DIAGRAM_ISREFERUNIT" val="0"/>
+  <p:tag name="KSO_WM_UNIT_FILL_FORE_SCHEMECOLOR_INDEX_BRIGHTNESS" val="-0.05"/>
+  <p:tag name="KSO_WM_UNIT_FILL_FORE_SCHEMECOLOR_INDEX" val="16"/>
+  <p:tag name="KSO_WM_UNIT_FILL_TYPE" val="1"/>
+  <p:tag name="KSO_WM_UNIT_TEXT_FILL_FORE_SCHEMECOLOR_INDEX_BRIGHTNESS" val="0"/>
+  <p:tag name="KSO_WM_UNIT_TEXT_FILL_FORE_SCHEMECOLOR_INDEX" val="13"/>
+  <p:tag name="KSO_WM_UNIT_TEXT_FILL_TYPE" val="1"/>
+  <p:tag name="KSO_WM_UNIT_USESOURCEFORMAT_APPLY" val="1"/>
+</p:tagLst>
+</file>
+
+<file path=ppt/tags/tag40.xml><?xml version="1.0" encoding="utf-8"?>
 <p:tagLst xmlns:p="http://schemas.openxmlformats.org/presentationml/2006/main">
   <p:tag name="KSO_WM_UNIT_HIGHLIGHT" val="0"/>
   <p:tag name="KSO_WM_UNIT_COMPATIBLE" val="0"/>
@@ -19276,7 +19315,7 @@
 </p:tagLst>
 </file>
 
-<file path=ppt/tags/tag42.xml><?xml version="1.0" encoding="utf-8"?>
+<file path=ppt/tags/tag41.xml><?xml version="1.0" encoding="utf-8"?>
 <p:tagLst xmlns:p="http://schemas.openxmlformats.org/presentationml/2006/main">
   <p:tag name="KSO_WM_UNIT_HIGHLIGHT" val="0"/>
   <p:tag name="KSO_WM_UNIT_COMPATIBLE" val="0"/>
@@ -19299,7 +19338,7 @@
 </p:tagLst>
 </file>
 
-<file path=ppt/tags/tag43.xml><?xml version="1.0" encoding="utf-8"?>
+<file path=ppt/tags/tag42.xml><?xml version="1.0" encoding="utf-8"?>
 <p:tagLst xmlns:p="http://schemas.openxmlformats.org/presentationml/2006/main">
   <p:tag name="KSO_WM_UNIT_HIGHLIGHT" val="0"/>
   <p:tag name="KSO_WM_UNIT_COMPATIBLE" val="0"/>
@@ -19322,7 +19361,7 @@
 </p:tagLst>
 </file>
 
-<file path=ppt/tags/tag44.xml><?xml version="1.0" encoding="utf-8"?>
+<file path=ppt/tags/tag43.xml><?xml version="1.0" encoding="utf-8"?>
 <p:tagLst xmlns:p="http://schemas.openxmlformats.org/presentationml/2006/main">
   <p:tag name="KSO_WM_UNIT_HIGHLIGHT" val="0"/>
   <p:tag name="KSO_WM_UNIT_COMPATIBLE" val="0"/>
@@ -19345,7 +19384,7 @@
 </p:tagLst>
 </file>
 
-<file path=ppt/tags/tag45.xml><?xml version="1.0" encoding="utf-8"?>
+<file path=ppt/tags/tag44.xml><?xml version="1.0" encoding="utf-8"?>
 <p:tagLst xmlns:p="http://schemas.openxmlformats.org/presentationml/2006/main">
   <p:tag name="KSO_WM_UNIT_ISCONTENTSTITLE" val="0"/>
   <p:tag name="KSO_WM_UNIT_ISNUMDGMTITLE" val="0"/>
@@ -19370,7 +19409,7 @@
 </p:tagLst>
 </file>
 
-<file path=ppt/tags/tag46.xml><?xml version="1.0" encoding="utf-8"?>
+<file path=ppt/tags/tag45.xml><?xml version="1.0" encoding="utf-8"?>
 <p:tagLst xmlns:p="http://schemas.openxmlformats.org/presentationml/2006/main">
   <p:tag name="KSO_WM_SLIDE_ID" val="diagram20203750_1"/>
   <p:tag name="KSO_WM_TEMPLATE_SUBCATEGORY" val="0"/>
@@ -19403,7 +19442,7 @@
 </p:tagLst>
 </file>
 
-<file path=ppt/tags/tag47.xml><?xml version="1.0" encoding="utf-8"?>
+<file path=ppt/tags/tag46.xml><?xml version="1.0" encoding="utf-8"?>
 <p:tagLst xmlns:p="http://schemas.openxmlformats.org/presentationml/2006/main">
   <p:tag name="KSO_WM_UNIT_HIGHLIGHT" val="0"/>
   <p:tag name="KSO_WM_UNIT_COMPATIBLE" val="0"/>
@@ -19429,7 +19468,7 @@
 </p:tagLst>
 </file>
 
-<file path=ppt/tags/tag48.xml><?xml version="1.0" encoding="utf-8"?>
+<file path=ppt/tags/tag47.xml><?xml version="1.0" encoding="utf-8"?>
 <p:tagLst xmlns:p="http://schemas.openxmlformats.org/presentationml/2006/main">
   <p:tag name="KSO_WM_UNIT_ISCONTENTSTITLE" val="0"/>
   <p:tag name="KSO_WM_UNIT_ISNUMDGMTITLE" val="0"/>
@@ -19456,7 +19495,7 @@
 </p:tagLst>
 </file>
 
-<file path=ppt/tags/tag49.xml><?xml version="1.0" encoding="utf-8"?>
+<file path=ppt/tags/tag48.xml><?xml version="1.0" encoding="utf-8"?>
 <p:tagLst xmlns:p="http://schemas.openxmlformats.org/presentationml/2006/main">
   <p:tag name="KSO_WM_UNIT_HIGHLIGHT" val="0"/>
   <p:tag name="KSO_WM_UNIT_COMPATIBLE" val="0"/>
@@ -19482,37 +19521,7 @@
 </p:tagLst>
 </file>
 
-<file path=ppt/tags/tag5.xml><?xml version="1.0" encoding="utf-8"?>
-<p:tagLst xmlns:p="http://schemas.openxmlformats.org/presentationml/2006/main">
-  <p:tag name="KSO_WM_TEMPLATE_CATEGORY" val="diagram"/>
-  <p:tag name="KSO_WM_TEMPLATE_INDEX" val="20210780"/>
-  <p:tag name="KSO_WM_TAG_VERSION" val="1.0"/>
-  <p:tag name="KSO_WM_UNIT_TYPE" val="l_h_f"/>
-  <p:tag name="KSO_WM_UNIT_INDEX" val="1_1_1"/>
-  <p:tag name="KSO_WM_UNIT_ID" val="diagram20210780_3*l_h_f*1_1_1"/>
-  <p:tag name="KSO_WM_UNIT_LAYERLEVEL" val="1_1_1"/>
-  <p:tag name="KSO_WM_UNIT_VALUE" val="22"/>
-  <p:tag name="KSO_WM_UNIT_HIGHLIGHT" val="0"/>
-  <p:tag name="KSO_WM_UNIT_COMPATIBLE" val="0"/>
-  <p:tag name="KSO_WM_BEAUTIFY_FLAG" val="#wm#"/>
-  <p:tag name="KSO_WM_UNIT_PRESET_TEXT_INDEX" val="4"/>
-  <p:tag name="KSO_WM_UNIT_PRESET_TEXT_LEN" val="12"/>
-  <p:tag name="KSO_WM_DIAGRAM_GROUP_CODE" val="l1-1"/>
-  <p:tag name="KSO_WM_UNIT_SUBTYPE" val="a"/>
-  <p:tag name="KSO_WM_UNIT_NOCLEAR" val="0"/>
-  <p:tag name="KSO_WM_UNIT_DIAGRAM_ISNUMVISUAL" val="0"/>
-  <p:tag name="KSO_WM_UNIT_DIAGRAM_ISREFERUNIT" val="0"/>
-  <p:tag name="KSO_WM_UNIT_FILL_FORE_SCHEMECOLOR_INDEX_BRIGHTNESS" val="-0.05"/>
-  <p:tag name="KSO_WM_UNIT_FILL_FORE_SCHEMECOLOR_INDEX" val="16"/>
-  <p:tag name="KSO_WM_UNIT_FILL_TYPE" val="1"/>
-  <p:tag name="KSO_WM_UNIT_TEXT_FILL_FORE_SCHEMECOLOR_INDEX_BRIGHTNESS" val="0"/>
-  <p:tag name="KSO_WM_UNIT_TEXT_FILL_FORE_SCHEMECOLOR_INDEX" val="13"/>
-  <p:tag name="KSO_WM_UNIT_TEXT_FILL_TYPE" val="1"/>
-  <p:tag name="KSO_WM_UNIT_USESOURCEFORMAT_APPLY" val="1"/>
-</p:tagLst>
-</file>
-
-<file path=ppt/tags/tag50.xml><?xml version="1.0" encoding="utf-8"?>
+<file path=ppt/tags/tag49.xml><?xml version="1.0" encoding="utf-8"?>
 <p:tagLst xmlns:p="http://schemas.openxmlformats.org/presentationml/2006/main">
   <p:tag name="KSO_WM_UNIT_ISCONTENTSTITLE" val="0"/>
   <p:tag name="KSO_WM_UNIT_ISNUMDGMTITLE" val="0"/>
@@ -19539,7 +19548,29 @@
 </p:tagLst>
 </file>
 
-<file path=ppt/tags/tag51.xml><?xml version="1.0" encoding="utf-8"?>
+<file path=ppt/tags/tag5.xml><?xml version="1.0" encoding="utf-8"?>
+<p:tagLst xmlns:p="http://schemas.openxmlformats.org/presentationml/2006/main">
+  <p:tag name="KSO_WM_TEMPLATE_CATEGORY" val="diagram"/>
+  <p:tag name="KSO_WM_TEMPLATE_INDEX" val="20210780"/>
+  <p:tag name="KSO_WM_TAG_VERSION" val="1.0"/>
+  <p:tag name="KSO_WM_UNIT_TYPE" val="l_h_i"/>
+  <p:tag name="KSO_WM_UNIT_INDEX" val="1_1_2"/>
+  <p:tag name="KSO_WM_UNIT_ID" val="diagram20210780_3*l_h_i*1_1_2"/>
+  <p:tag name="KSO_WM_UNIT_LAYERLEVEL" val="1_1_1"/>
+  <p:tag name="KSO_WM_BEAUTIFY_FLAG" val="#wm#"/>
+  <p:tag name="KSO_WM_DIAGRAM_GROUP_CODE" val="l1-1"/>
+  <p:tag name="KSO_WM_UNIT_HIGHLIGHT" val="0"/>
+  <p:tag name="KSO_WM_UNIT_COMPATIBLE" val="0"/>
+  <p:tag name="KSO_WM_UNIT_DIAGRAM_ISNUMVISUAL" val="0"/>
+  <p:tag name="KSO_WM_UNIT_DIAGRAM_ISREFERUNIT" val="0"/>
+  <p:tag name="KSO_WM_UNIT_FILL_FORE_SCHEMECOLOR_INDEX_BRIGHTNESS" val="0"/>
+  <p:tag name="KSO_WM_UNIT_FILL_FORE_SCHEMECOLOR_INDEX" val="5"/>
+  <p:tag name="KSO_WM_UNIT_FILL_TYPE" val="1"/>
+  <p:tag name="KSO_WM_UNIT_USESOURCEFORMAT_APPLY" val="1"/>
+</p:tagLst>
+</file>
+
+<file path=ppt/tags/tag50.xml><?xml version="1.0" encoding="utf-8"?>
 <p:tagLst xmlns:p="http://schemas.openxmlformats.org/presentationml/2006/main">
   <p:tag name="KSO_WM_UNIT_HIGHLIGHT" val="0"/>
   <p:tag name="KSO_WM_UNIT_COMPATIBLE" val="0"/>
@@ -19565,7 +19596,7 @@
 </p:tagLst>
 </file>
 
-<file path=ppt/tags/tag52.xml><?xml version="1.0" encoding="utf-8"?>
+<file path=ppt/tags/tag51.xml><?xml version="1.0" encoding="utf-8"?>
 <p:tagLst xmlns:p="http://schemas.openxmlformats.org/presentationml/2006/main">
   <p:tag name="KSO_WM_UNIT_ISCONTENTSTITLE" val="0"/>
   <p:tag name="KSO_WM_UNIT_ISNUMDGMTITLE" val="0"/>
@@ -19592,7 +19623,7 @@
 </p:tagLst>
 </file>
 
-<file path=ppt/tags/tag53.xml><?xml version="1.0" encoding="utf-8"?>
+<file path=ppt/tags/tag52.xml><?xml version="1.0" encoding="utf-8"?>
 <p:tagLst xmlns:p="http://schemas.openxmlformats.org/presentationml/2006/main">
   <p:tag name="KSO_WM_UNIT_HIGHLIGHT" val="0"/>
   <p:tag name="KSO_WM_UNIT_COMPATIBLE" val="0"/>
@@ -19617,7 +19648,7 @@
 </p:tagLst>
 </file>
 
-<file path=ppt/tags/tag54.xml><?xml version="1.0" encoding="utf-8"?>
+<file path=ppt/tags/tag53.xml><?xml version="1.0" encoding="utf-8"?>
 <p:tagLst xmlns:p="http://schemas.openxmlformats.org/presentationml/2006/main">
   <p:tag name="KSO_WM_UNIT_HIGHLIGHT" val="0"/>
   <p:tag name="KSO_WM_UNIT_COMPATIBLE" val="0"/>
@@ -19640,7 +19671,7 @@
 </p:tagLst>
 </file>
 
-<file path=ppt/tags/tag55.xml><?xml version="1.0" encoding="utf-8"?>
+<file path=ppt/tags/tag54.xml><?xml version="1.0" encoding="utf-8"?>
 <p:tagLst xmlns:p="http://schemas.openxmlformats.org/presentationml/2006/main">
   <p:tag name="KSO_WM_UNIT_HIGHLIGHT" val="0"/>
   <p:tag name="KSO_WM_UNIT_COMPATIBLE" val="0"/>
@@ -19665,7 +19696,7 @@
 </p:tagLst>
 </file>
 
-<file path=ppt/tags/tag56.xml><?xml version="1.0" encoding="utf-8"?>
+<file path=ppt/tags/tag55.xml><?xml version="1.0" encoding="utf-8"?>
 <p:tagLst xmlns:p="http://schemas.openxmlformats.org/presentationml/2006/main">
   <p:tag name="KSO_WM_UNIT_HIGHLIGHT" val="0"/>
   <p:tag name="KSO_WM_UNIT_COMPATIBLE" val="0"/>
@@ -19688,7 +19719,7 @@
 </p:tagLst>
 </file>
 
-<file path=ppt/tags/tag57.xml><?xml version="1.0" encoding="utf-8"?>
+<file path=ppt/tags/tag56.xml><?xml version="1.0" encoding="utf-8"?>
 <p:tagLst xmlns:p="http://schemas.openxmlformats.org/presentationml/2006/main">
   <p:tag name="KSO_WM_UNIT_HIGHLIGHT" val="0"/>
   <p:tag name="KSO_WM_UNIT_COMPATIBLE" val="0"/>
@@ -19713,7 +19744,7 @@
 </p:tagLst>
 </file>
 
-<file path=ppt/tags/tag58.xml><?xml version="1.0" encoding="utf-8"?>
+<file path=ppt/tags/tag57.xml><?xml version="1.0" encoding="utf-8"?>
 <p:tagLst xmlns:p="http://schemas.openxmlformats.org/presentationml/2006/main">
   <p:tag name="KSO_WM_UNIT_HIGHLIGHT" val="0"/>
   <p:tag name="KSO_WM_UNIT_COMPATIBLE" val="0"/>
@@ -19736,7 +19767,7 @@
 </p:tagLst>
 </file>
 
-<file path=ppt/tags/tag59.xml><?xml version="1.0" encoding="utf-8"?>
+<file path=ppt/tags/tag58.xml><?xml version="1.0" encoding="utf-8"?>
 <p:tagLst xmlns:p="http://schemas.openxmlformats.org/presentationml/2006/main">
   <p:tag name="KSO_WM_UNIT_HIGHLIGHT" val="0"/>
   <p:tag name="KSO_WM_UNIT_COMPATIBLE" val="0"/>
@@ -19759,29 +19790,7 @@
 </p:tagLst>
 </file>
 
-<file path=ppt/tags/tag6.xml><?xml version="1.0" encoding="utf-8"?>
-<p:tagLst xmlns:p="http://schemas.openxmlformats.org/presentationml/2006/main">
-  <p:tag name="KSO_WM_TEMPLATE_CATEGORY" val="diagram"/>
-  <p:tag name="KSO_WM_TEMPLATE_INDEX" val="20210780"/>
-  <p:tag name="KSO_WM_TAG_VERSION" val="1.0"/>
-  <p:tag name="KSO_WM_UNIT_TYPE" val="l_h_i"/>
-  <p:tag name="KSO_WM_UNIT_INDEX" val="1_1_2"/>
-  <p:tag name="KSO_WM_UNIT_ID" val="diagram20210780_3*l_h_i*1_1_2"/>
-  <p:tag name="KSO_WM_UNIT_LAYERLEVEL" val="1_1_1"/>
-  <p:tag name="KSO_WM_BEAUTIFY_FLAG" val="#wm#"/>
-  <p:tag name="KSO_WM_DIAGRAM_GROUP_CODE" val="l1-1"/>
-  <p:tag name="KSO_WM_UNIT_HIGHLIGHT" val="0"/>
-  <p:tag name="KSO_WM_UNIT_COMPATIBLE" val="0"/>
-  <p:tag name="KSO_WM_UNIT_DIAGRAM_ISNUMVISUAL" val="0"/>
-  <p:tag name="KSO_WM_UNIT_DIAGRAM_ISREFERUNIT" val="0"/>
-  <p:tag name="KSO_WM_UNIT_FILL_FORE_SCHEMECOLOR_INDEX_BRIGHTNESS" val="0"/>
-  <p:tag name="KSO_WM_UNIT_FILL_FORE_SCHEMECOLOR_INDEX" val="5"/>
-  <p:tag name="KSO_WM_UNIT_FILL_TYPE" val="1"/>
-  <p:tag name="KSO_WM_UNIT_USESOURCEFORMAT_APPLY" val="1"/>
-</p:tagLst>
-</file>
-
-<file path=ppt/tags/tag60.xml><?xml version="1.0" encoding="utf-8"?>
+<file path=ppt/tags/tag59.xml><?xml version="1.0" encoding="utf-8"?>
 <p:tagLst xmlns:p="http://schemas.openxmlformats.org/presentationml/2006/main">
   <p:tag name="KSO_WM_UNIT_HIGHLIGHT" val="0"/>
   <p:tag name="KSO_WM_UNIT_COMPATIBLE" val="0"/>
@@ -19804,7 +19813,32 @@
 </p:tagLst>
 </file>
 
-<file path=ppt/tags/tag61.xml><?xml version="1.0" encoding="utf-8"?>
+<file path=ppt/tags/tag6.xml><?xml version="1.0" encoding="utf-8"?>
+<p:tagLst xmlns:p="http://schemas.openxmlformats.org/presentationml/2006/main">
+  <p:tag name="KSO_WM_TEMPLATE_CATEGORY" val="diagram"/>
+  <p:tag name="KSO_WM_TEMPLATE_INDEX" val="20210780"/>
+  <p:tag name="KSO_WM_TAG_VERSION" val="1.0"/>
+  <p:tag name="KSO_WM_UNIT_TYPE" val="l_h_i"/>
+  <p:tag name="KSO_WM_UNIT_INDEX" val="1_3_1"/>
+  <p:tag name="KSO_WM_UNIT_ID" val="diagram20210780_3*l_h_i*1_3_1"/>
+  <p:tag name="KSO_WM_UNIT_LAYERLEVEL" val="1_1_1"/>
+  <p:tag name="KSO_WM_BEAUTIFY_FLAG" val="#wm#"/>
+  <p:tag name="KSO_WM_DIAGRAM_GROUP_CODE" val="l1-1"/>
+  <p:tag name="KSO_WM_UNIT_HIGHLIGHT" val="0"/>
+  <p:tag name="KSO_WM_UNIT_COMPATIBLE" val="0"/>
+  <p:tag name="KSO_WM_UNIT_DIAGRAM_ISNUMVISUAL" val="0"/>
+  <p:tag name="KSO_WM_UNIT_DIAGRAM_ISREFERUNIT" val="0"/>
+  <p:tag name="KSO_WM_UNIT_FILL_FORE_SCHEMECOLOR_INDEX_BRIGHTNESS" val="-0.5"/>
+  <p:tag name="KSO_WM_UNIT_FILL_FORE_SCHEMECOLOR_INDEX" val="7"/>
+  <p:tag name="KSO_WM_UNIT_FILL_TYPE" val="1"/>
+  <p:tag name="KSO_WM_UNIT_TEXT_FILL_FORE_SCHEMECOLOR_INDEX_BRIGHTNESS" val="0"/>
+  <p:tag name="KSO_WM_UNIT_TEXT_FILL_FORE_SCHEMECOLOR_INDEX" val="13"/>
+  <p:tag name="KSO_WM_UNIT_TEXT_FILL_TYPE" val="1"/>
+  <p:tag name="KSO_WM_UNIT_USESOURCEFORMAT_APPLY" val="1"/>
+</p:tagLst>
+</file>
+
+<file path=ppt/tags/tag60.xml><?xml version="1.0" encoding="utf-8"?>
 <p:tagLst xmlns:p="http://schemas.openxmlformats.org/presentationml/2006/main">
   <p:tag name="KSO_WM_UNIT_HIGHLIGHT" val="0"/>
   <p:tag name="KSO_WM_UNIT_COMPATIBLE" val="0"/>
@@ -19827,7 +19861,7 @@
 </p:tagLst>
 </file>
 
-<file path=ppt/tags/tag62.xml><?xml version="1.0" encoding="utf-8"?>
+<file path=ppt/tags/tag61.xml><?xml version="1.0" encoding="utf-8"?>
 <p:tagLst xmlns:p="http://schemas.openxmlformats.org/presentationml/2006/main">
   <p:tag name="KSO_WM_UNIT_HIGHLIGHT" val="0"/>
   <p:tag name="KSO_WM_UNIT_COMPATIBLE" val="0"/>
@@ -19850,7 +19884,7 @@
 </p:tagLst>
 </file>
 
-<file path=ppt/tags/tag63.xml><?xml version="1.0" encoding="utf-8"?>
+<file path=ppt/tags/tag62.xml><?xml version="1.0" encoding="utf-8"?>
 <p:tagLst xmlns:p="http://schemas.openxmlformats.org/presentationml/2006/main">
   <p:tag name="KSO_WM_UNIT_HIGHLIGHT" val="0"/>
   <p:tag name="KSO_WM_UNIT_COMPATIBLE" val="0"/>
@@ -19873,7 +19907,7 @@
 </p:tagLst>
 </file>
 
-<file path=ppt/tags/tag64.xml><?xml version="1.0" encoding="utf-8"?>
+<file path=ppt/tags/tag63.xml><?xml version="1.0" encoding="utf-8"?>
 <p:tagLst xmlns:p="http://schemas.openxmlformats.org/presentationml/2006/main">
   <p:tag name="KSO_WM_UNIT_HIGHLIGHT" val="0"/>
   <p:tag name="KSO_WM_UNIT_COMPATIBLE" val="0"/>
@@ -19896,7 +19930,7 @@
 </p:tagLst>
 </file>
 
-<file path=ppt/tags/tag65.xml><?xml version="1.0" encoding="utf-8"?>
+<file path=ppt/tags/tag64.xml><?xml version="1.0" encoding="utf-8"?>
 <p:tagLst xmlns:p="http://schemas.openxmlformats.org/presentationml/2006/main">
   <p:tag name="KSO_WM_UNIT_HIGHLIGHT" val="0"/>
   <p:tag name="KSO_WM_UNIT_COMPATIBLE" val="0"/>
@@ -19919,7 +19953,7 @@
 </p:tagLst>
 </file>
 
-<file path=ppt/tags/tag66.xml><?xml version="1.0" encoding="utf-8"?>
+<file path=ppt/tags/tag65.xml><?xml version="1.0" encoding="utf-8"?>
 <p:tagLst xmlns:p="http://schemas.openxmlformats.org/presentationml/2006/main">
   <p:tag name="KSO_WM_UNIT_HIGHLIGHT" val="0"/>
   <p:tag name="KSO_WM_UNIT_COMPATIBLE" val="0"/>
@@ -19942,7 +19976,7 @@
 </p:tagLst>
 </file>
 
-<file path=ppt/tags/tag67.xml><?xml version="1.0" encoding="utf-8"?>
+<file path=ppt/tags/tag66.xml><?xml version="1.0" encoding="utf-8"?>
 <p:tagLst xmlns:p="http://schemas.openxmlformats.org/presentationml/2006/main">
   <p:tag name="KSO_WM_UNIT_HIGHLIGHT" val="0"/>
   <p:tag name="KSO_WM_UNIT_COMPATIBLE" val="0"/>
@@ -19965,7 +19999,7 @@
 </p:tagLst>
 </file>
 
-<file path=ppt/tags/tag68.xml><?xml version="1.0" encoding="utf-8"?>
+<file path=ppt/tags/tag67.xml><?xml version="1.0" encoding="utf-8"?>
 <p:tagLst xmlns:p="http://schemas.openxmlformats.org/presentationml/2006/main">
   <p:tag name="KSO_WM_UNIT_HIGHLIGHT" val="0"/>
   <p:tag name="KSO_WM_UNIT_COMPATIBLE" val="0"/>
@@ -19988,7 +20022,7 @@
 </p:tagLst>
 </file>
 
-<file path=ppt/tags/tag69.xml><?xml version="1.0" encoding="utf-8"?>
+<file path=ppt/tags/tag68.xml><?xml version="1.0" encoding="utf-8"?>
 <p:tagLst xmlns:p="http://schemas.openxmlformats.org/presentationml/2006/main">
   <p:tag name="KSO_WM_UNIT_ISCONTENTSTITLE" val="0"/>
   <p:tag name="KSO_WM_UNIT_ISNUMDGMTITLE" val="0"/>
@@ -20013,32 +20047,7 @@
 </p:tagLst>
 </file>
 
-<file path=ppt/tags/tag7.xml><?xml version="1.0" encoding="utf-8"?>
-<p:tagLst xmlns:p="http://schemas.openxmlformats.org/presentationml/2006/main">
-  <p:tag name="KSO_WM_TEMPLATE_CATEGORY" val="diagram"/>
-  <p:tag name="KSO_WM_TEMPLATE_INDEX" val="20210780"/>
-  <p:tag name="KSO_WM_TAG_VERSION" val="1.0"/>
-  <p:tag name="KSO_WM_UNIT_TYPE" val="l_h_i"/>
-  <p:tag name="KSO_WM_UNIT_INDEX" val="1_3_1"/>
-  <p:tag name="KSO_WM_UNIT_ID" val="diagram20210780_3*l_h_i*1_3_1"/>
-  <p:tag name="KSO_WM_UNIT_LAYERLEVEL" val="1_1_1"/>
-  <p:tag name="KSO_WM_BEAUTIFY_FLAG" val="#wm#"/>
-  <p:tag name="KSO_WM_DIAGRAM_GROUP_CODE" val="l1-1"/>
-  <p:tag name="KSO_WM_UNIT_HIGHLIGHT" val="0"/>
-  <p:tag name="KSO_WM_UNIT_COMPATIBLE" val="0"/>
-  <p:tag name="KSO_WM_UNIT_DIAGRAM_ISNUMVISUAL" val="0"/>
-  <p:tag name="KSO_WM_UNIT_DIAGRAM_ISREFERUNIT" val="0"/>
-  <p:tag name="KSO_WM_UNIT_FILL_FORE_SCHEMECOLOR_INDEX_BRIGHTNESS" val="-0.5"/>
-  <p:tag name="KSO_WM_UNIT_FILL_FORE_SCHEMECOLOR_INDEX" val="7"/>
-  <p:tag name="KSO_WM_UNIT_FILL_TYPE" val="1"/>
-  <p:tag name="KSO_WM_UNIT_TEXT_FILL_FORE_SCHEMECOLOR_INDEX_BRIGHTNESS" val="0"/>
-  <p:tag name="KSO_WM_UNIT_TEXT_FILL_FORE_SCHEMECOLOR_INDEX" val="13"/>
-  <p:tag name="KSO_WM_UNIT_TEXT_FILL_TYPE" val="1"/>
-  <p:tag name="KSO_WM_UNIT_USESOURCEFORMAT_APPLY" val="1"/>
-</p:tagLst>
-</file>
-
-<file path=ppt/tags/tag70.xml><?xml version="1.0" encoding="utf-8"?>
+<file path=ppt/tags/tag69.xml><?xml version="1.0" encoding="utf-8"?>
 <p:tagLst xmlns:p="http://schemas.openxmlformats.org/presentationml/2006/main">
   <p:tag name="KSO_WM_SLIDE_ID" val="diagram20203750_1"/>
   <p:tag name="KSO_WM_TEMPLATE_SUBCATEGORY" val="0"/>
@@ -20071,7 +20080,37 @@
 </p:tagLst>
 </file>
 
-<file path=ppt/tags/tag71.xml><?xml version="1.0" encoding="utf-8"?>
+<file path=ppt/tags/tag7.xml><?xml version="1.0" encoding="utf-8"?>
+<p:tagLst xmlns:p="http://schemas.openxmlformats.org/presentationml/2006/main">
+  <p:tag name="KSO_WM_TEMPLATE_CATEGORY" val="diagram"/>
+  <p:tag name="KSO_WM_TEMPLATE_INDEX" val="20210780"/>
+  <p:tag name="KSO_WM_TAG_VERSION" val="1.0"/>
+  <p:tag name="KSO_WM_UNIT_TYPE" val="l_h_f"/>
+  <p:tag name="KSO_WM_UNIT_INDEX" val="1_3_1"/>
+  <p:tag name="KSO_WM_UNIT_ID" val="diagram20210780_3*l_h_f*1_3_1"/>
+  <p:tag name="KSO_WM_UNIT_LAYERLEVEL" val="1_1_1"/>
+  <p:tag name="KSO_WM_UNIT_VALUE" val="22"/>
+  <p:tag name="KSO_WM_UNIT_HIGHLIGHT" val="0"/>
+  <p:tag name="KSO_WM_UNIT_COMPATIBLE" val="0"/>
+  <p:tag name="KSO_WM_BEAUTIFY_FLAG" val="#wm#"/>
+  <p:tag name="KSO_WM_UNIT_PRESET_TEXT_INDEX" val="4"/>
+  <p:tag name="KSO_WM_UNIT_PRESET_TEXT_LEN" val="12"/>
+  <p:tag name="KSO_WM_DIAGRAM_GROUP_CODE" val="l1-1"/>
+  <p:tag name="KSO_WM_UNIT_SUBTYPE" val="a"/>
+  <p:tag name="KSO_WM_UNIT_NOCLEAR" val="0"/>
+  <p:tag name="KSO_WM_UNIT_DIAGRAM_ISNUMVISUAL" val="0"/>
+  <p:tag name="KSO_WM_UNIT_DIAGRAM_ISREFERUNIT" val="0"/>
+  <p:tag name="KSO_WM_UNIT_FILL_FORE_SCHEMECOLOR_INDEX_BRIGHTNESS" val="-0.05"/>
+  <p:tag name="KSO_WM_UNIT_FILL_FORE_SCHEMECOLOR_INDEX" val="16"/>
+  <p:tag name="KSO_WM_UNIT_FILL_TYPE" val="1"/>
+  <p:tag name="KSO_WM_UNIT_TEXT_FILL_FORE_SCHEMECOLOR_INDEX_BRIGHTNESS" val="0"/>
+  <p:tag name="KSO_WM_UNIT_TEXT_FILL_FORE_SCHEMECOLOR_INDEX" val="13"/>
+  <p:tag name="KSO_WM_UNIT_TEXT_FILL_TYPE" val="1"/>
+  <p:tag name="KSO_WM_UNIT_USESOURCEFORMAT_APPLY" val="1"/>
+</p:tagLst>
+</file>
+
+<file path=ppt/tags/tag70.xml><?xml version="1.0" encoding="utf-8"?>
 <p:tagLst xmlns:p="http://schemas.openxmlformats.org/presentationml/2006/main">
   <p:tag name="KSO_WM_UNIT_HIGHLIGHT" val="0"/>
   <p:tag name="KSO_WM_UNIT_COMPATIBLE" val="0"/>
@@ -20097,7 +20136,7 @@
 </p:tagLst>
 </file>
 
-<file path=ppt/tags/tag72.xml><?xml version="1.0" encoding="utf-8"?>
+<file path=ppt/tags/tag71.xml><?xml version="1.0" encoding="utf-8"?>
 <p:tagLst xmlns:p="http://schemas.openxmlformats.org/presentationml/2006/main">
   <p:tag name="KSO_WM_UNIT_HIGHLIGHT" val="0"/>
   <p:tag name="KSO_WM_UNIT_COMPATIBLE" val="0"/>
@@ -20120,7 +20159,7 @@
 </p:tagLst>
 </file>
 
-<file path=ppt/tags/tag73.xml><?xml version="1.0" encoding="utf-8"?>
+<file path=ppt/tags/tag72.xml><?xml version="1.0" encoding="utf-8"?>
 <p:tagLst xmlns:p="http://schemas.openxmlformats.org/presentationml/2006/main">
   <p:tag name="KSO_WM_UNIT_ISCONTENTSTITLE" val="0"/>
   <p:tag name="KSO_WM_UNIT_NOCLEAR" val="0"/>
@@ -20145,7 +20184,7 @@
 </p:tagLst>
 </file>
 
-<file path=ppt/tags/tag74.xml><?xml version="1.0" encoding="utf-8"?>
+<file path=ppt/tags/tag73.xml><?xml version="1.0" encoding="utf-8"?>
 <p:tagLst xmlns:p="http://schemas.openxmlformats.org/presentationml/2006/main">
   <p:tag name="KSO_WM_UNIT_HIGHLIGHT" val="0"/>
   <p:tag name="KSO_WM_UNIT_COMPATIBLE" val="0"/>
@@ -20168,7 +20207,7 @@
 </p:tagLst>
 </file>
 
-<file path=ppt/tags/tag75.xml><?xml version="1.0" encoding="utf-8"?>
+<file path=ppt/tags/tag74.xml><?xml version="1.0" encoding="utf-8"?>
 <p:tagLst xmlns:p="http://schemas.openxmlformats.org/presentationml/2006/main">
   <p:tag name="KSO_WM_UNIT_HIGHLIGHT" val="0"/>
   <p:tag name="KSO_WM_UNIT_COMPATIBLE" val="0"/>
@@ -20191,7 +20230,7 @@
 </p:tagLst>
 </file>
 
-<file path=ppt/tags/tag76.xml><?xml version="1.0" encoding="utf-8"?>
+<file path=ppt/tags/tag75.xml><?xml version="1.0" encoding="utf-8"?>
 <p:tagLst xmlns:p="http://schemas.openxmlformats.org/presentationml/2006/main">
   <p:tag name="KSO_WM_SLIDE_ID" val="diagram20203671_1"/>
   <p:tag name="KSO_WM_TEMPLATE_SUBCATEGORY" val="0"/>
@@ -20212,7 +20251,7 @@
 </p:tagLst>
 </file>
 
-<file path=ppt/tags/tag77.xml><?xml version="1.0" encoding="utf-8"?>
+<file path=ppt/tags/tag76.xml><?xml version="1.0" encoding="utf-8"?>
 <p:tagLst xmlns:p="http://schemas.openxmlformats.org/presentationml/2006/main">
   <p:tag name="KSO_WM_UNIT_PICTURE_TOWARD" val="1"/>
   <p:tag name="KSO_WM_UNIT_PICTURE_DOCKSIDE" val="rm,lm,ct"/>
@@ -20235,7 +20274,7 @@
 </p:tagLst>
 </file>
 
-<file path=ppt/tags/tag78.xml><?xml version="1.0" encoding="utf-8"?>
+<file path=ppt/tags/tag77.xml><?xml version="1.0" encoding="utf-8"?>
 <p:tagLst xmlns:p="http://schemas.openxmlformats.org/presentationml/2006/main">
   <p:tag name="KSO_WM_UNIT_PICTURE_TOWARD" val="1"/>
   <p:tag name="KSO_WM_UNIT_PICTURE_DOCKSIDE" val="rm,lm,ct"/>
@@ -20263,7 +20302,7 @@
 </p:tagLst>
 </file>
 
-<file path=ppt/tags/tag79.xml><?xml version="1.0" encoding="utf-8"?>
+<file path=ppt/tags/tag78.xml><?xml version="1.0" encoding="utf-8"?>
 <p:tagLst xmlns:p="http://schemas.openxmlformats.org/presentationml/2006/main">
   <p:tag name="KSO_WM_UNIT_ISCONTENTSTITLE" val="0"/>
   <p:tag name="KSO_WM_UNIT_ISNUMDGMTITLE" val="0"/>
@@ -20300,37 +20339,7 @@
 </p:tagLst>
 </file>
 
-<file path=ppt/tags/tag8.xml><?xml version="1.0" encoding="utf-8"?>
-<p:tagLst xmlns:p="http://schemas.openxmlformats.org/presentationml/2006/main">
-  <p:tag name="KSO_WM_TEMPLATE_CATEGORY" val="diagram"/>
-  <p:tag name="KSO_WM_TEMPLATE_INDEX" val="20210780"/>
-  <p:tag name="KSO_WM_TAG_VERSION" val="1.0"/>
-  <p:tag name="KSO_WM_UNIT_TYPE" val="l_h_f"/>
-  <p:tag name="KSO_WM_UNIT_INDEX" val="1_3_1"/>
-  <p:tag name="KSO_WM_UNIT_ID" val="diagram20210780_3*l_h_f*1_3_1"/>
-  <p:tag name="KSO_WM_UNIT_LAYERLEVEL" val="1_1_1"/>
-  <p:tag name="KSO_WM_UNIT_VALUE" val="22"/>
-  <p:tag name="KSO_WM_UNIT_HIGHLIGHT" val="0"/>
-  <p:tag name="KSO_WM_UNIT_COMPATIBLE" val="0"/>
-  <p:tag name="KSO_WM_BEAUTIFY_FLAG" val="#wm#"/>
-  <p:tag name="KSO_WM_UNIT_PRESET_TEXT_INDEX" val="4"/>
-  <p:tag name="KSO_WM_UNIT_PRESET_TEXT_LEN" val="12"/>
-  <p:tag name="KSO_WM_DIAGRAM_GROUP_CODE" val="l1-1"/>
-  <p:tag name="KSO_WM_UNIT_SUBTYPE" val="a"/>
-  <p:tag name="KSO_WM_UNIT_NOCLEAR" val="0"/>
-  <p:tag name="KSO_WM_UNIT_DIAGRAM_ISNUMVISUAL" val="0"/>
-  <p:tag name="KSO_WM_UNIT_DIAGRAM_ISREFERUNIT" val="0"/>
-  <p:tag name="KSO_WM_UNIT_FILL_FORE_SCHEMECOLOR_INDEX_BRIGHTNESS" val="-0.05"/>
-  <p:tag name="KSO_WM_UNIT_FILL_FORE_SCHEMECOLOR_INDEX" val="16"/>
-  <p:tag name="KSO_WM_UNIT_FILL_TYPE" val="1"/>
-  <p:tag name="KSO_WM_UNIT_TEXT_FILL_FORE_SCHEMECOLOR_INDEX_BRIGHTNESS" val="0"/>
-  <p:tag name="KSO_WM_UNIT_TEXT_FILL_FORE_SCHEMECOLOR_INDEX" val="13"/>
-  <p:tag name="KSO_WM_UNIT_TEXT_FILL_TYPE" val="1"/>
-  <p:tag name="KSO_WM_UNIT_USESOURCEFORMAT_APPLY" val="1"/>
-</p:tagLst>
-</file>
-
-<file path=ppt/tags/tag80.xml><?xml version="1.0" encoding="utf-8"?>
+<file path=ppt/tags/tag79.xml><?xml version="1.0" encoding="utf-8"?>
 <p:tagLst xmlns:p="http://schemas.openxmlformats.org/presentationml/2006/main">
   <p:tag name="KSO_WM_BEAUTIFY_FLAG" val="#wm#"/>
   <p:tag name="KSO_WM_TEMPLATE_CATEGORY" val="diagram"/>
@@ -20364,13 +20373,7 @@
 </p:tagLst>
 </file>
 
-<file path=ppt/tags/tag81.xml><?xml version="1.0" encoding="utf-8"?>
-<p:tagLst xmlns:p="http://schemas.openxmlformats.org/presentationml/2006/main">
-  <p:tag name="COMMONDATA" val="eyJoZGlkIjoiMTJjNDU2ZWI0OTRhNWE0MGY4NzdjZjk3N2ZmNjllZjAifQ=="/>
-</p:tagLst>
-</file>
-
-<file path=ppt/tags/tag9.xml><?xml version="1.0" encoding="utf-8"?>
+<file path=ppt/tags/tag8.xml><?xml version="1.0" encoding="utf-8"?>
 <p:tagLst xmlns:p="http://schemas.openxmlformats.org/presentationml/2006/main">
   <p:tag name="KSO_WM_TEMPLATE_CATEGORY" val="diagram"/>
   <p:tag name="KSO_WM_TEMPLATE_INDEX" val="20210780"/>
@@ -20388,6 +20391,37 @@
   <p:tag name="KSO_WM_UNIT_FILL_FORE_SCHEMECOLOR_INDEX_BRIGHTNESS" val="0"/>
   <p:tag name="KSO_WM_UNIT_FILL_FORE_SCHEMECOLOR_INDEX" val="7"/>
   <p:tag name="KSO_WM_UNIT_FILL_TYPE" val="1"/>
+  <p:tag name="KSO_WM_UNIT_USESOURCEFORMAT_APPLY" val="1"/>
+</p:tagLst>
+</file>
+
+<file path=ppt/tags/tag80.xml><?xml version="1.0" encoding="utf-8"?>
+<p:tagLst xmlns:p="http://schemas.openxmlformats.org/presentationml/2006/main">
+  <p:tag name="COMMONDATA" val="eyJoZGlkIjoiMTJjNDU2ZWI0OTRhNWE0MGY4NzdjZjk3N2ZmNjllZjAifQ=="/>
+</p:tagLst>
+</file>
+
+<file path=ppt/tags/tag9.xml><?xml version="1.0" encoding="utf-8"?>
+<p:tagLst xmlns:p="http://schemas.openxmlformats.org/presentationml/2006/main">
+  <p:tag name="KSO_WM_TEMPLATE_CATEGORY" val="diagram"/>
+  <p:tag name="KSO_WM_TEMPLATE_INDEX" val="20210780"/>
+  <p:tag name="KSO_WM_TAG_VERSION" val="1.0"/>
+  <p:tag name="KSO_WM_UNIT_TYPE" val="l_h_i"/>
+  <p:tag name="KSO_WM_UNIT_INDEX" val="1_2_1"/>
+  <p:tag name="KSO_WM_UNIT_ID" val="diagram20210780_3*l_h_i*1_2_1"/>
+  <p:tag name="KSO_WM_UNIT_LAYERLEVEL" val="1_1_1"/>
+  <p:tag name="KSO_WM_BEAUTIFY_FLAG" val="#wm#"/>
+  <p:tag name="KSO_WM_DIAGRAM_GROUP_CODE" val="l1-1"/>
+  <p:tag name="KSO_WM_UNIT_HIGHLIGHT" val="0"/>
+  <p:tag name="KSO_WM_UNIT_COMPATIBLE" val="0"/>
+  <p:tag name="KSO_WM_UNIT_DIAGRAM_ISNUMVISUAL" val="0"/>
+  <p:tag name="KSO_WM_UNIT_DIAGRAM_ISREFERUNIT" val="0"/>
+  <p:tag name="KSO_WM_UNIT_FILL_FORE_SCHEMECOLOR_INDEX_BRIGHTNESS" val="-0.5"/>
+  <p:tag name="KSO_WM_UNIT_FILL_FORE_SCHEMECOLOR_INDEX" val="6"/>
+  <p:tag name="KSO_WM_UNIT_FILL_TYPE" val="1"/>
+  <p:tag name="KSO_WM_UNIT_TEXT_FILL_FORE_SCHEMECOLOR_INDEX_BRIGHTNESS" val="0"/>
+  <p:tag name="KSO_WM_UNIT_TEXT_FILL_FORE_SCHEMECOLOR_INDEX" val="13"/>
+  <p:tag name="KSO_WM_UNIT_TEXT_FILL_TYPE" val="1"/>
   <p:tag name="KSO_WM_UNIT_USESOURCEFORMAT_APPLY" val="1"/>
 </p:tagLst>
 </file>

--- a/gogocode.pptx
+++ b/gogocode.pptx
@@ -5,10 +5,10 @@
     <p:sldMasterId id="2147483648" r:id="rId1"/>
   </p:sldMasterIdLst>
   <p:notesMasterIdLst>
-    <p:notesMasterId r:id="rId15"/>
+    <p:notesMasterId r:id="rId21"/>
   </p:notesMasterIdLst>
   <p:handoutMasterIdLst>
-    <p:handoutMasterId r:id="rId16"/>
+    <p:handoutMasterId r:id="rId22"/>
   </p:handoutMasterIdLst>
   <p:sldIdLst>
     <p:sldId id="454" r:id="rId3"/>
@@ -22,7 +22,13 @@
     <p:sldId id="864" r:id="rId11"/>
     <p:sldId id="865" r:id="rId12"/>
     <p:sldId id="866" r:id="rId13"/>
-    <p:sldId id="742" r:id="rId14"/>
+    <p:sldId id="869" r:id="rId14"/>
+    <p:sldId id="875" r:id="rId15"/>
+    <p:sldId id="870" r:id="rId16"/>
+    <p:sldId id="871" r:id="rId17"/>
+    <p:sldId id="872" r:id="rId18"/>
+    <p:sldId id="874" r:id="rId19"/>
+    <p:sldId id="742" r:id="rId20"/>
   </p:sldIdLst>
   <p:sldSz cx="12192000" cy="6858000"/>
   <p:notesSz cx="6858000" cy="9144000"/>
@@ -32,7 +38,7 @@
     </p:custShow>
   </p:custShowLst>
   <p:custDataLst>
-    <p:tags r:id="rId21"/>
+    <p:tags r:id="rId27"/>
   </p:custDataLst>
   <p:defaultTextStyle>
     <a:defPPr>
@@ -3248,6 +3254,765 @@
 </file>
 
 <file path=ppt/slides/slide12.xml><?xml version="1.0" encoding="utf-8"?>
+<p:sld xmlns:a="http://schemas.openxmlformats.org/drawingml/2006/main" xmlns:r="http://schemas.openxmlformats.org/officeDocument/2006/relationships" xmlns:p="http://schemas.openxmlformats.org/presentationml/2006/main">
+  <p:cSld>
+    <p:spTree>
+      <p:nvGrpSpPr>
+        <p:cNvPr id="1" name=""/>
+        <p:cNvGrpSpPr/>
+        <p:nvPr/>
+      </p:nvGrpSpPr>
+      <p:grpSpPr/>
+      <p:sp>
+        <p:nvSpPr>
+          <p:cNvPr id="5" name="标题 4"/>
+          <p:cNvSpPr>
+            <a:spLocks noGrp="1"/>
+          </p:cNvSpPr>
+          <p:nvPr>
+            <p:ph type="title"/>
+          </p:nvPr>
+        </p:nvSpPr>
+        <p:spPr/>
+        <p:txBody>
+          <a:bodyPr>
+            <a:normAutofit/>
+          </a:bodyPr>
+          <a:p>
+            <a:r>
+              <a:rPr lang="en-US"/>
+              <a:t>replace</a:t>
+            </a:r>
+            <a:r>
+              <a:rPr lang="zh-CN" altLang="en-US"/>
+              <a:t>方法</a:t>
+            </a:r>
+            <a:endParaRPr lang="zh-CN" altLang="en-US"/>
+          </a:p>
+        </p:txBody>
+      </p:sp>
+      <p:sp>
+        <p:nvSpPr>
+          <p:cNvPr id="115" name="文本框 114"/>
+          <p:cNvSpPr txBox="1"/>
+          <p:nvPr/>
+        </p:nvSpPr>
+        <p:spPr>
+          <a:xfrm>
+            <a:off x="334010" y="1344930"/>
+            <a:ext cx="5080000" cy="337185"/>
+          </a:xfrm>
+          <a:prstGeom prst="rect">
+            <a:avLst/>
+          </a:prstGeom>
+          <a:noFill/>
+          <a:ln w="9525">
+            <a:noFill/>
+          </a:ln>
+        </p:spPr>
+        <p:txBody>
+          <a:bodyPr>
+            <a:spAutoFit/>
+          </a:bodyPr>
+          <a:p>
+            <a:pPr indent="0"/>
+            <a:r>
+              <a:rPr lang="en-US" altLang="zh-CN" sz="1600" b="0">
+                <a:solidFill>
+                  <a:srgbClr val="121212"/>
+                </a:solidFill>
+                <a:ea typeface="宋体" pitchFamily="2" charset="-122"/>
+              </a:rPr>
+              <a:t>replace</a:t>
+            </a:r>
+            <a:r>
+              <a:rPr lang="zh-CN" altLang="en-US" sz="1600" b="0">
+                <a:solidFill>
+                  <a:srgbClr val="121212"/>
+                </a:solidFill>
+                <a:ea typeface="宋体" pitchFamily="2" charset="-122"/>
+              </a:rPr>
+              <a:t>方法还可以使用函数来进行更复杂的</a:t>
+            </a:r>
+            <a:r>
+              <a:rPr lang="zh-CN" altLang="en-US" sz="1600" b="0">
+                <a:solidFill>
+                  <a:srgbClr val="121212"/>
+                </a:solidFill>
+                <a:ea typeface="宋体" pitchFamily="2" charset="-122"/>
+              </a:rPr>
+              <a:t>替换</a:t>
+            </a:r>
+            <a:endParaRPr lang="zh-CN" altLang="en-US" sz="1600" b="0">
+              <a:solidFill>
+                <a:srgbClr val="121212"/>
+              </a:solidFill>
+              <a:ea typeface="宋体" pitchFamily="2" charset="-122"/>
+            </a:endParaRPr>
+          </a:p>
+        </p:txBody>
+      </p:sp>
+      <p:pic>
+        <p:nvPicPr>
+          <p:cNvPr id="2" name="图片 1"/>
+          <p:cNvPicPr>
+            <a:picLocks noChangeAspect="1"/>
+          </p:cNvPicPr>
+          <p:nvPr/>
+        </p:nvPicPr>
+        <p:blipFill>
+          <a:blip r:embed="rId1"/>
+          <a:stretch>
+            <a:fillRect/>
+          </a:stretch>
+        </p:blipFill>
+        <p:spPr>
+          <a:xfrm>
+            <a:off x="334010" y="1959610"/>
+            <a:ext cx="3759200" cy="1130300"/>
+          </a:xfrm>
+          <a:prstGeom prst="rect">
+            <a:avLst/>
+          </a:prstGeom>
+        </p:spPr>
+      </p:pic>
+      <p:pic>
+        <p:nvPicPr>
+          <p:cNvPr id="3" name="图片 2"/>
+          <p:cNvPicPr>
+            <a:picLocks noChangeAspect="1"/>
+          </p:cNvPicPr>
+          <p:nvPr/>
+        </p:nvPicPr>
+        <p:blipFill>
+          <a:blip r:embed="rId2"/>
+          <a:stretch>
+            <a:fillRect/>
+          </a:stretch>
+        </p:blipFill>
+        <p:spPr>
+          <a:xfrm>
+            <a:off x="334010" y="3277870"/>
+            <a:ext cx="5334000" cy="1930400"/>
+          </a:xfrm>
+          <a:prstGeom prst="rect">
+            <a:avLst/>
+          </a:prstGeom>
+        </p:spPr>
+      </p:pic>
+      <p:pic>
+        <p:nvPicPr>
+          <p:cNvPr id="6" name="图片 5"/>
+          <p:cNvPicPr>
+            <a:picLocks noChangeAspect="1"/>
+          </p:cNvPicPr>
+          <p:nvPr/>
+        </p:nvPicPr>
+        <p:blipFill>
+          <a:blip r:embed="rId3"/>
+          <a:stretch>
+            <a:fillRect/>
+          </a:stretch>
+        </p:blipFill>
+        <p:spPr>
+          <a:xfrm>
+            <a:off x="6743065" y="3725545"/>
+            <a:ext cx="3479800" cy="787400"/>
+          </a:xfrm>
+          <a:prstGeom prst="rect">
+            <a:avLst/>
+          </a:prstGeom>
+        </p:spPr>
+      </p:pic>
+    </p:spTree>
+  </p:cSld>
+  <p:clrMapOvr>
+    <a:masterClrMapping/>
+  </p:clrMapOvr>
+</p:sld>
+</file>
+
+<file path=ppt/slides/slide13.xml><?xml version="1.0" encoding="utf-8"?>
+<p:sld xmlns:a="http://schemas.openxmlformats.org/drawingml/2006/main" xmlns:r="http://schemas.openxmlformats.org/officeDocument/2006/relationships" xmlns:p="http://schemas.openxmlformats.org/presentationml/2006/main">
+  <p:cSld>
+    <p:spTree>
+      <p:nvGrpSpPr>
+        <p:cNvPr id="1" name=""/>
+        <p:cNvGrpSpPr/>
+        <p:nvPr/>
+      </p:nvGrpSpPr>
+      <p:grpSpPr/>
+      <p:sp>
+        <p:nvSpPr>
+          <p:cNvPr id="5" name="标题 4"/>
+          <p:cNvSpPr>
+            <a:spLocks noGrp="1"/>
+          </p:cNvSpPr>
+          <p:nvPr>
+            <p:ph type="title"/>
+          </p:nvPr>
+        </p:nvSpPr>
+        <p:spPr/>
+        <p:txBody>
+          <a:bodyPr>
+            <a:normAutofit/>
+          </a:bodyPr>
+          <a:p>
+            <a:r>
+              <a:rPr lang="en-US"/>
+              <a:t>replaceBy</a:t>
+            </a:r>
+            <a:r>
+              <a:rPr lang="zh-CN" altLang="en-US"/>
+              <a:t>方法</a:t>
+            </a:r>
+            <a:endParaRPr lang="zh-CN" altLang="en-US"/>
+          </a:p>
+        </p:txBody>
+      </p:sp>
+      <p:sp>
+        <p:nvSpPr>
+          <p:cNvPr id="115" name="文本框 114"/>
+          <p:cNvSpPr txBox="1"/>
+          <p:nvPr/>
+        </p:nvSpPr>
+        <p:spPr>
+          <a:xfrm>
+            <a:off x="334010" y="1344930"/>
+            <a:ext cx="5080000" cy="583565"/>
+          </a:xfrm>
+          <a:prstGeom prst="rect">
+            <a:avLst/>
+          </a:prstGeom>
+          <a:noFill/>
+          <a:ln w="9525">
+            <a:noFill/>
+          </a:ln>
+        </p:spPr>
+        <p:txBody>
+          <a:bodyPr>
+            <a:spAutoFit/>
+          </a:bodyPr>
+          <a:p>
+            <a:pPr indent="0"/>
+            <a:r>
+              <a:rPr lang="zh-CN" altLang="en-US" sz="1600" b="0">
+                <a:solidFill>
+                  <a:srgbClr val="121212"/>
+                </a:solidFill>
+                <a:ea typeface="宋体" pitchFamily="2" charset="-122"/>
+              </a:rPr>
+              <a:t>在使用</a:t>
+            </a:r>
+            <a:r>
+              <a:rPr lang="en-US" altLang="zh-CN" sz="1600" b="0">
+                <a:solidFill>
+                  <a:srgbClr val="121212"/>
+                </a:solidFill>
+                <a:ea typeface="宋体" pitchFamily="2" charset="-122"/>
+              </a:rPr>
+              <a:t>find</a:t>
+            </a:r>
+            <a:r>
+              <a:rPr lang="zh-CN" altLang="en-US" sz="1600" b="0">
+                <a:solidFill>
+                  <a:srgbClr val="121212"/>
+                </a:solidFill>
+                <a:ea typeface="宋体" pitchFamily="2" charset="-122"/>
+              </a:rPr>
+              <a:t>查找到代码之后，可以通过</a:t>
+            </a:r>
+            <a:r>
+              <a:rPr lang="en-US" altLang="zh-CN" sz="1600" b="0">
+                <a:solidFill>
+                  <a:srgbClr val="121212"/>
+                </a:solidFill>
+                <a:ea typeface="宋体" pitchFamily="2" charset="-122"/>
+              </a:rPr>
+              <a:t>replaceBy</a:t>
+            </a:r>
+            <a:r>
+              <a:rPr lang="zh-CN" altLang="en-US" sz="1600" b="0">
+                <a:solidFill>
+                  <a:srgbClr val="121212"/>
+                </a:solidFill>
+                <a:ea typeface="宋体" pitchFamily="2" charset="-122"/>
+              </a:rPr>
+              <a:t>进行</a:t>
+            </a:r>
+            <a:r>
+              <a:rPr lang="zh-CN" altLang="en-US" sz="1600" b="0">
+                <a:solidFill>
+                  <a:srgbClr val="121212"/>
+                </a:solidFill>
+                <a:ea typeface="宋体" pitchFamily="2" charset="-122"/>
+              </a:rPr>
+              <a:t>替换</a:t>
+            </a:r>
+            <a:endParaRPr lang="zh-CN" altLang="en-US" sz="1600" b="0">
+              <a:solidFill>
+                <a:srgbClr val="121212"/>
+              </a:solidFill>
+              <a:ea typeface="宋体" pitchFamily="2" charset="-122"/>
+            </a:endParaRPr>
+          </a:p>
+        </p:txBody>
+      </p:sp>
+      <p:pic>
+        <p:nvPicPr>
+          <p:cNvPr id="7" name="图片 6"/>
+          <p:cNvPicPr>
+            <a:picLocks noChangeAspect="1"/>
+          </p:cNvPicPr>
+          <p:nvPr/>
+        </p:nvPicPr>
+        <p:blipFill>
+          <a:blip r:embed="rId1"/>
+          <a:stretch>
+            <a:fillRect/>
+          </a:stretch>
+        </p:blipFill>
+        <p:spPr>
+          <a:xfrm>
+            <a:off x="465455" y="2065655"/>
+            <a:ext cx="3644900" cy="850900"/>
+          </a:xfrm>
+          <a:prstGeom prst="rect">
+            <a:avLst/>
+          </a:prstGeom>
+        </p:spPr>
+      </p:pic>
+      <p:pic>
+        <p:nvPicPr>
+          <p:cNvPr id="8" name="图片 7"/>
+          <p:cNvPicPr>
+            <a:picLocks noChangeAspect="1"/>
+          </p:cNvPicPr>
+          <p:nvPr/>
+        </p:nvPicPr>
+        <p:blipFill>
+          <a:blip r:embed="rId2"/>
+          <a:stretch>
+            <a:fillRect/>
+          </a:stretch>
+        </p:blipFill>
+        <p:spPr>
+          <a:xfrm>
+            <a:off x="465455" y="3053715"/>
+            <a:ext cx="7696200" cy="774700"/>
+          </a:xfrm>
+          <a:prstGeom prst="rect">
+            <a:avLst/>
+          </a:prstGeom>
+        </p:spPr>
+      </p:pic>
+      <p:pic>
+        <p:nvPicPr>
+          <p:cNvPr id="9" name="图片 8"/>
+          <p:cNvPicPr>
+            <a:picLocks noChangeAspect="1"/>
+          </p:cNvPicPr>
+          <p:nvPr/>
+        </p:nvPicPr>
+        <p:blipFill>
+          <a:blip r:embed="rId3"/>
+          <a:stretch>
+            <a:fillRect/>
+          </a:stretch>
+        </p:blipFill>
+        <p:spPr>
+          <a:xfrm>
+            <a:off x="465455" y="4211955"/>
+            <a:ext cx="4953000" cy="1028700"/>
+          </a:xfrm>
+          <a:prstGeom prst="rect">
+            <a:avLst/>
+          </a:prstGeom>
+        </p:spPr>
+      </p:pic>
+    </p:spTree>
+  </p:cSld>
+  <p:clrMapOvr>
+    <a:masterClrMapping/>
+  </p:clrMapOvr>
+</p:sld>
+</file>
+
+<file path=ppt/slides/slide14.xml><?xml version="1.0" encoding="utf-8"?>
+<p:sld xmlns:a="http://schemas.openxmlformats.org/drawingml/2006/main" xmlns:r="http://schemas.openxmlformats.org/officeDocument/2006/relationships" xmlns:p="http://schemas.openxmlformats.org/presentationml/2006/main">
+  <p:cSld>
+    <p:spTree>
+      <p:nvGrpSpPr>
+        <p:cNvPr id="1" name=""/>
+        <p:cNvGrpSpPr/>
+        <p:nvPr/>
+      </p:nvGrpSpPr>
+      <p:grpSpPr/>
+      <p:sp>
+        <p:nvSpPr>
+          <p:cNvPr id="5" name="标题 4"/>
+          <p:cNvSpPr>
+            <a:spLocks noGrp="1"/>
+          </p:cNvSpPr>
+          <p:nvPr>
+            <p:ph type="title"/>
+          </p:nvPr>
+        </p:nvSpPr>
+        <p:spPr/>
+        <p:txBody>
+          <a:bodyPr>
+            <a:normAutofit/>
+          </a:bodyPr>
+          <a:p>
+            <a:r>
+              <a:rPr lang="zh-CN" altLang="en-US"/>
+              <a:t>周边</a:t>
+            </a:r>
+            <a:r>
+              <a:rPr lang="zh-CN" altLang="en-US"/>
+              <a:t>完备</a:t>
+            </a:r>
+            <a:endParaRPr lang="zh-CN" altLang="en-US"/>
+          </a:p>
+        </p:txBody>
+      </p:sp>
+      <p:pic>
+        <p:nvPicPr>
+          <p:cNvPr id="10" name="图片 9"/>
+          <p:cNvPicPr>
+            <a:picLocks noChangeAspect="1"/>
+          </p:cNvPicPr>
+          <p:nvPr/>
+        </p:nvPicPr>
+        <p:blipFill>
+          <a:blip r:embed="rId1"/>
+          <a:stretch>
+            <a:fillRect/>
+          </a:stretch>
+        </p:blipFill>
+        <p:spPr>
+          <a:xfrm>
+            <a:off x="1482725" y="1136650"/>
+            <a:ext cx="8978900" cy="4584700"/>
+          </a:xfrm>
+          <a:prstGeom prst="rect">
+            <a:avLst/>
+          </a:prstGeom>
+        </p:spPr>
+      </p:pic>
+    </p:spTree>
+  </p:cSld>
+  <p:clrMapOvr>
+    <a:masterClrMapping/>
+  </p:clrMapOvr>
+</p:sld>
+</file>
+
+<file path=ppt/slides/slide15.xml><?xml version="1.0" encoding="utf-8"?>
+<p:sld xmlns:a="http://schemas.openxmlformats.org/drawingml/2006/main" xmlns:r="http://schemas.openxmlformats.org/officeDocument/2006/relationships" xmlns:p="http://schemas.openxmlformats.org/presentationml/2006/main">
+  <p:cSld>
+    <p:spTree>
+      <p:nvGrpSpPr>
+        <p:cNvPr id="1" name=""/>
+        <p:cNvGrpSpPr/>
+        <p:nvPr/>
+      </p:nvGrpSpPr>
+      <p:grpSpPr/>
+      <p:sp>
+        <p:nvSpPr>
+          <p:cNvPr id="2" name="标题 1"/>
+          <p:cNvSpPr>
+            <a:spLocks noGrp="1"/>
+          </p:cNvSpPr>
+          <p:nvPr>
+            <p:ph type="title"/>
+          </p:nvPr>
+        </p:nvSpPr>
+        <p:spPr/>
+        <p:txBody>
+          <a:bodyPr/>
+          <a:p>
+            <a:endParaRPr lang="zh-CN" altLang="en-US"/>
+          </a:p>
+        </p:txBody>
+      </p:sp>
+      <p:sp>
+        <p:nvSpPr>
+          <p:cNvPr id="3" name="文本占位符 2"/>
+          <p:cNvSpPr>
+            <a:spLocks noGrp="1"/>
+          </p:cNvSpPr>
+          <p:nvPr>
+            <p:ph type="body" sz="quarter" idx="10"/>
+          </p:nvPr>
+        </p:nvSpPr>
+        <p:spPr/>
+        <p:txBody>
+          <a:bodyPr/>
+          <a:p>
+            <a:endParaRPr lang="zh-CN" altLang="en-US"/>
+          </a:p>
+        </p:txBody>
+      </p:sp>
+      <p:sp>
+        <p:nvSpPr>
+          <p:cNvPr id="4" name="日期占位符 3"/>
+          <p:cNvSpPr>
+            <a:spLocks noGrp="1"/>
+          </p:cNvSpPr>
+          <p:nvPr>
+            <p:ph type="dt" sz="half" idx="11"/>
+          </p:nvPr>
+        </p:nvSpPr>
+        <p:spPr/>
+        <p:txBody>
+          <a:bodyPr/>
+          <a:p>
+            <a:fld id="{87F35EAE-4069-6C47-8DC3-20185B7A5476}" type="datetime1">
+              <a:rPr kumimoji="1" lang="zh-CN" altLang="en-US" smtClean="0"/>
+            </a:fld>
+            <a:endParaRPr kumimoji="1" lang="zh-CN" altLang="en-US"/>
+          </a:p>
+        </p:txBody>
+      </p:sp>
+      <p:pic>
+        <p:nvPicPr>
+          <p:cNvPr id="5" name="图片 4"/>
+          <p:cNvPicPr>
+            <a:picLocks noChangeAspect="1"/>
+          </p:cNvPicPr>
+          <p:nvPr/>
+        </p:nvPicPr>
+        <p:blipFill>
+          <a:blip r:embed="rId1"/>
+          <a:stretch>
+            <a:fillRect/>
+          </a:stretch>
+        </p:blipFill>
+        <p:spPr>
+          <a:xfrm>
+            <a:off x="2011680" y="601345"/>
+            <a:ext cx="6969760" cy="5851525"/>
+          </a:xfrm>
+          <a:prstGeom prst="rect">
+            <a:avLst/>
+          </a:prstGeom>
+        </p:spPr>
+      </p:pic>
+    </p:spTree>
+  </p:cSld>
+  <p:clrMapOvr>
+    <a:masterClrMapping/>
+  </p:clrMapOvr>
+</p:sld>
+</file>
+
+<file path=ppt/slides/slide16.xml><?xml version="1.0" encoding="utf-8"?>
+<p:sld xmlns:a="http://schemas.openxmlformats.org/drawingml/2006/main" xmlns:r="http://schemas.openxmlformats.org/officeDocument/2006/relationships" xmlns:p="http://schemas.openxmlformats.org/presentationml/2006/main">
+  <p:cSld>
+    <p:spTree>
+      <p:nvGrpSpPr>
+        <p:cNvPr id="1" name=""/>
+        <p:cNvGrpSpPr/>
+        <p:nvPr/>
+      </p:nvGrpSpPr>
+      <p:grpSpPr/>
+      <p:sp>
+        <p:nvSpPr>
+          <p:cNvPr id="2" name="标题 1"/>
+          <p:cNvSpPr>
+            <a:spLocks noGrp="1"/>
+          </p:cNvSpPr>
+          <p:nvPr>
+            <p:ph type="title"/>
+          </p:nvPr>
+        </p:nvSpPr>
+        <p:spPr/>
+        <p:txBody>
+          <a:bodyPr/>
+          <a:p>
+            <a:endParaRPr lang="zh-CN" altLang="en-US"/>
+          </a:p>
+        </p:txBody>
+      </p:sp>
+      <p:sp>
+        <p:nvSpPr>
+          <p:cNvPr id="3" name="文本占位符 2"/>
+          <p:cNvSpPr>
+            <a:spLocks noGrp="1"/>
+          </p:cNvSpPr>
+          <p:nvPr>
+            <p:ph type="body" sz="quarter" idx="10"/>
+          </p:nvPr>
+        </p:nvSpPr>
+        <p:spPr/>
+        <p:txBody>
+          <a:bodyPr/>
+          <a:p>
+            <a:endParaRPr lang="zh-CN" altLang="en-US"/>
+          </a:p>
+        </p:txBody>
+      </p:sp>
+      <p:sp>
+        <p:nvSpPr>
+          <p:cNvPr id="4" name="日期占位符 3"/>
+          <p:cNvSpPr>
+            <a:spLocks noGrp="1"/>
+          </p:cNvSpPr>
+          <p:nvPr>
+            <p:ph type="dt" sz="half" idx="11"/>
+          </p:nvPr>
+        </p:nvSpPr>
+        <p:spPr/>
+        <p:txBody>
+          <a:bodyPr/>
+          <a:p>
+            <a:fld id="{87F35EAE-4069-6C47-8DC3-20185B7A5476}" type="datetime1">
+              <a:rPr kumimoji="1" lang="zh-CN" altLang="en-US" smtClean="0"/>
+            </a:fld>
+            <a:endParaRPr kumimoji="1" lang="zh-CN" altLang="en-US"/>
+          </a:p>
+        </p:txBody>
+      </p:sp>
+      <p:pic>
+        <p:nvPicPr>
+          <p:cNvPr id="5" name="图片 4"/>
+          <p:cNvPicPr>
+            <a:picLocks noChangeAspect="1"/>
+          </p:cNvPicPr>
+          <p:nvPr/>
+        </p:nvPicPr>
+        <p:blipFill>
+          <a:blip r:embed="rId1"/>
+          <a:stretch>
+            <a:fillRect/>
+          </a:stretch>
+        </p:blipFill>
+        <p:spPr>
+          <a:xfrm>
+            <a:off x="2093595" y="0"/>
+            <a:ext cx="8004175" cy="6858000"/>
+          </a:xfrm>
+          <a:prstGeom prst="rect">
+            <a:avLst/>
+          </a:prstGeom>
+        </p:spPr>
+      </p:pic>
+    </p:spTree>
+  </p:cSld>
+  <p:clrMapOvr>
+    <a:masterClrMapping/>
+  </p:clrMapOvr>
+</p:sld>
+</file>
+
+<file path=ppt/slides/slide17.xml><?xml version="1.0" encoding="utf-8"?>
+<p:sld xmlns:a="http://schemas.openxmlformats.org/drawingml/2006/main" xmlns:r="http://schemas.openxmlformats.org/officeDocument/2006/relationships" xmlns:p="http://schemas.openxmlformats.org/presentationml/2006/main">
+  <p:cSld>
+    <p:spTree>
+      <p:nvGrpSpPr>
+        <p:cNvPr id="1" name=""/>
+        <p:cNvGrpSpPr/>
+        <p:nvPr/>
+      </p:nvGrpSpPr>
+      <p:grpSpPr/>
+      <p:sp>
+        <p:nvSpPr>
+          <p:cNvPr id="5" name="标题 4"/>
+          <p:cNvSpPr>
+            <a:spLocks noGrp="1"/>
+          </p:cNvSpPr>
+          <p:nvPr>
+            <p:ph type="title"/>
+          </p:nvPr>
+        </p:nvSpPr>
+        <p:spPr/>
+        <p:txBody>
+          <a:bodyPr>
+            <a:normAutofit/>
+          </a:bodyPr>
+          <a:p>
+            <a:r>
+              <a:rPr lang="zh-CN" altLang="en-US"/>
+              <a:t>参考</a:t>
+            </a:r>
+            <a:r>
+              <a:rPr lang="zh-CN" altLang="en-US"/>
+              <a:t>文档</a:t>
+            </a:r>
+            <a:endParaRPr lang="zh-CN" altLang="en-US"/>
+          </a:p>
+        </p:txBody>
+      </p:sp>
+      <p:pic>
+        <p:nvPicPr>
+          <p:cNvPr id="3" name="图片 2">
+            <a:hlinkClick r:id="rId1" tooltip="" action="ppaction://hlinkfile"/>
+          </p:cNvPr>
+          <p:cNvPicPr>
+            <a:picLocks noChangeAspect="1"/>
+          </p:cNvPicPr>
+          <p:nvPr/>
+        </p:nvPicPr>
+        <p:blipFill>
+          <a:blip r:embed="rId2"/>
+          <a:stretch>
+            <a:fillRect/>
+          </a:stretch>
+        </p:blipFill>
+        <p:spPr>
+          <a:xfrm>
+            <a:off x="1214120" y="1379220"/>
+            <a:ext cx="9486900" cy="2857500"/>
+          </a:xfrm>
+          <a:prstGeom prst="rect">
+            <a:avLst/>
+          </a:prstGeom>
+        </p:spPr>
+      </p:pic>
+      <p:sp>
+        <p:nvSpPr>
+          <p:cNvPr id="4" name="文本框 3"/>
+          <p:cNvSpPr txBox="1"/>
+          <p:nvPr/>
+        </p:nvSpPr>
+        <p:spPr>
+          <a:xfrm>
+            <a:off x="3392805" y="4525010"/>
+            <a:ext cx="3663315" cy="368300"/>
+          </a:xfrm>
+          <a:prstGeom prst="rect">
+            <a:avLst/>
+          </a:prstGeom>
+          <a:noFill/>
+        </p:spPr>
+        <p:txBody>
+          <a:bodyPr wrap="none" rtlCol="0">
+            <a:spAutoFit/>
+          </a:bodyPr>
+          <a:p>
+            <a:pPr algn="l"/>
+            <a:r>
+              <a:rPr lang="zh-CN" altLang="en-US"/>
+              <a:t>文档</a:t>
+            </a:r>
+            <a:r>
+              <a:rPr lang="zh-CN" altLang="en-US"/>
+              <a:t>地址：https://gogocode.io/zh</a:t>
+            </a:r>
+            <a:endParaRPr lang="zh-CN" altLang="en-US"/>
+          </a:p>
+        </p:txBody>
+      </p:sp>
+    </p:spTree>
+  </p:cSld>
+  <p:clrMapOvr>
+    <a:masterClrMapping/>
+  </p:clrMapOvr>
+</p:sld>
+</file>
+
+<file path=ppt/slides/slide18.xml><?xml version="1.0" encoding="utf-8"?>
 <p:sld xmlns:a="http://schemas.openxmlformats.org/drawingml/2006/main" xmlns:r="http://schemas.openxmlformats.org/officeDocument/2006/relationships" xmlns:p="http://schemas.openxmlformats.org/presentationml/2006/main">
   <p:cSld>
     <p:spTree>

--- a/gogocode.pptx
+++ b/gogocode.pptx
@@ -2768,7 +2768,7 @@
                 <a:ea typeface="汉仪文黑-85简" panose="00020600040101010101" charset="-122"/>
                 <a:cs typeface="+mj-cs"/>
               </a:rPr>
-              <a:t>黄予庭</a:t>
+              <a:t>丁强</a:t>
             </a:r>
             <a:r>
               <a:rPr lang="en-US" altLang="zh-CN" sz="1800" err="1">
@@ -2779,7 +2779,7 @@
                 <a:ea typeface="汉仪文黑-85简" panose="00020600040101010101" charset="-122"/>
                 <a:cs typeface="+mj-cs"/>
               </a:rPr>
-              <a:t>     2022.08.12</a:t>
+              <a:t>    2022.09.09</a:t>
             </a:r>
             <a:endParaRPr lang="en-US" altLang="zh-CN" sz="1800" err="1">
               <a:solidFill>
@@ -3947,7 +3947,7 @@
       <p:pic>
         <p:nvPicPr>
           <p:cNvPr id="3" name="图片 2">
-            <a:hlinkClick r:id="rId1" tooltip="" action="ppaction://hlinkfile"/>
+            <a:hlinkClick r:id="rId1" action="ppaction://hlinkfile"/>
           </p:cNvPr>
           <p:cNvPicPr>
             <a:picLocks noChangeAspect="1"/>
